--- a/game/out/production/untitled1/main/resources/Presentation1.pptx
+++ b/game/out/production/untitled1/main/resources/Presentation1.pptx
@@ -6,8 +6,9 @@
   </p:sldMasterIdLst>
   <p:sldIdLst>
     <p:sldId id="256" r:id="rId2"/>
-    <p:sldId id="259" r:id="rId3"/>
-    <p:sldId id="257" r:id="rId4"/>
+    <p:sldId id="261" r:id="rId3"/>
+    <p:sldId id="259" r:id="rId4"/>
+    <p:sldId id="257" r:id="rId5"/>
   </p:sldIdLst>
   <p:sldSz cx="12192000" cy="6858000"/>
   <p:notesSz cx="6858000" cy="9144000"/>
@@ -263,7 +264,7 @@
           <a:p>
             <a:fld id="{8C190DF0-AAD4-4070-88F0-7BB3446F6650}" type="datetimeFigureOut">
               <a:rPr lang="en-IN" smtClean="0"/>
-              <a:t>24/10/19</a:t>
+              <a:t>26/10/19</a:t>
             </a:fld>
             <a:endParaRPr lang="en-IN"/>
           </a:p>
@@ -463,7 +464,7 @@
           <a:p>
             <a:fld id="{8C190DF0-AAD4-4070-88F0-7BB3446F6650}" type="datetimeFigureOut">
               <a:rPr lang="en-IN" smtClean="0"/>
-              <a:t>24/10/19</a:t>
+              <a:t>26/10/19</a:t>
             </a:fld>
             <a:endParaRPr lang="en-IN"/>
           </a:p>
@@ -673,7 +674,7 @@
           <a:p>
             <a:fld id="{8C190DF0-AAD4-4070-88F0-7BB3446F6650}" type="datetimeFigureOut">
               <a:rPr lang="en-IN" smtClean="0"/>
-              <a:t>24/10/19</a:t>
+              <a:t>26/10/19</a:t>
             </a:fld>
             <a:endParaRPr lang="en-IN"/>
           </a:p>
@@ -873,7 +874,7 @@
           <a:p>
             <a:fld id="{8C190DF0-AAD4-4070-88F0-7BB3446F6650}" type="datetimeFigureOut">
               <a:rPr lang="en-IN" smtClean="0"/>
-              <a:t>24/10/19</a:t>
+              <a:t>26/10/19</a:t>
             </a:fld>
             <a:endParaRPr lang="en-IN"/>
           </a:p>
@@ -1149,7 +1150,7 @@
           <a:p>
             <a:fld id="{8C190DF0-AAD4-4070-88F0-7BB3446F6650}" type="datetimeFigureOut">
               <a:rPr lang="en-IN" smtClean="0"/>
-              <a:t>24/10/19</a:t>
+              <a:t>26/10/19</a:t>
             </a:fld>
             <a:endParaRPr lang="en-IN"/>
           </a:p>
@@ -1417,7 +1418,7 @@
           <a:p>
             <a:fld id="{8C190DF0-AAD4-4070-88F0-7BB3446F6650}" type="datetimeFigureOut">
               <a:rPr lang="en-IN" smtClean="0"/>
-              <a:t>24/10/19</a:t>
+              <a:t>26/10/19</a:t>
             </a:fld>
             <a:endParaRPr lang="en-IN"/>
           </a:p>
@@ -1832,7 +1833,7 @@
           <a:p>
             <a:fld id="{8C190DF0-AAD4-4070-88F0-7BB3446F6650}" type="datetimeFigureOut">
               <a:rPr lang="en-IN" smtClean="0"/>
-              <a:t>24/10/19</a:t>
+              <a:t>26/10/19</a:t>
             </a:fld>
             <a:endParaRPr lang="en-IN"/>
           </a:p>
@@ -1974,7 +1975,7 @@
           <a:p>
             <a:fld id="{8C190DF0-AAD4-4070-88F0-7BB3446F6650}" type="datetimeFigureOut">
               <a:rPr lang="en-IN" smtClean="0"/>
-              <a:t>24/10/19</a:t>
+              <a:t>26/10/19</a:t>
             </a:fld>
             <a:endParaRPr lang="en-IN"/>
           </a:p>
@@ -2087,7 +2088,7 @@
           <a:p>
             <a:fld id="{8C190DF0-AAD4-4070-88F0-7BB3446F6650}" type="datetimeFigureOut">
               <a:rPr lang="en-IN" smtClean="0"/>
-              <a:t>24/10/19</a:t>
+              <a:t>26/10/19</a:t>
             </a:fld>
             <a:endParaRPr lang="en-IN"/>
           </a:p>
@@ -2400,7 +2401,7 @@
           <a:p>
             <a:fld id="{8C190DF0-AAD4-4070-88F0-7BB3446F6650}" type="datetimeFigureOut">
               <a:rPr lang="en-IN" smtClean="0"/>
-              <a:t>24/10/19</a:t>
+              <a:t>26/10/19</a:t>
             </a:fld>
             <a:endParaRPr lang="en-IN"/>
           </a:p>
@@ -2689,7 +2690,7 @@
           <a:p>
             <a:fld id="{8C190DF0-AAD4-4070-88F0-7BB3446F6650}" type="datetimeFigureOut">
               <a:rPr lang="en-IN" smtClean="0"/>
-              <a:t>24/10/19</a:t>
+              <a:t>26/10/19</a:t>
             </a:fld>
             <a:endParaRPr lang="en-IN"/>
           </a:p>
@@ -2932,7 +2933,7 @@
           <a:p>
             <a:fld id="{8C190DF0-AAD4-4070-88F0-7BB3446F6650}" type="datetimeFigureOut">
               <a:rPr lang="en-IN" smtClean="0"/>
-              <a:t>24/10/19</a:t>
+              <a:t>26/10/19</a:t>
             </a:fld>
             <a:endParaRPr lang="en-IN"/>
           </a:p>
@@ -3502,6 +3503,2386 @@
           <p:cNvPr id="3" name="Picture 2">
             <a:extLst>
               <a:ext uri="{FF2B5EF4-FFF2-40B4-BE49-F238E27FC236}">
+                <a16:creationId xmlns:a16="http://schemas.microsoft.com/office/drawing/2014/main" id="{95B7DF09-9F69-AA4E-8EC5-EA0BDFECE7A4}"/>
+              </a:ext>
+            </a:extLst>
+          </p:cNvPr>
+          <p:cNvPicPr>
+            <a:picLocks noChangeAspect="1"/>
+          </p:cNvPicPr>
+          <p:nvPr/>
+        </p:nvPicPr>
+        <p:blipFill rotWithShape="1">
+          <a:blip r:embed="rId2">
+            <a:extLst>
+              <a:ext uri="{28A0092B-C50C-407E-A947-70E740481C1C}">
+                <a14:useLocalDpi xmlns:a14="http://schemas.microsoft.com/office/drawing/2010/main" val="0"/>
+              </a:ext>
+            </a:extLst>
+          </a:blip>
+          <a:srcRect l="7939"/>
+          <a:stretch/>
+        </p:blipFill>
+        <p:spPr>
+          <a:xfrm>
+            <a:off x="1377537" y="10826"/>
+            <a:ext cx="10327561" cy="6858000"/>
+          </a:xfrm>
+          <a:prstGeom prst="rect">
+            <a:avLst/>
+          </a:prstGeom>
+        </p:spPr>
+      </p:pic>
+      <p:pic>
+        <p:nvPicPr>
+          <p:cNvPr id="4" name="Picture 3">
+            <a:extLst>
+              <a:ext uri="{FF2B5EF4-FFF2-40B4-BE49-F238E27FC236}">
+                <a16:creationId xmlns:a16="http://schemas.microsoft.com/office/drawing/2014/main" id="{5D26548D-C206-B64B-8BD7-CD2AB0EF5BC4}"/>
+              </a:ext>
+            </a:extLst>
+          </p:cNvPr>
+          <p:cNvPicPr>
+            <a:picLocks noChangeAspect="1"/>
+          </p:cNvPicPr>
+          <p:nvPr/>
+        </p:nvPicPr>
+        <p:blipFill rotWithShape="1">
+          <a:blip r:embed="rId2">
+            <a:extLst>
+              <a:ext uri="{28A0092B-C50C-407E-A947-70E740481C1C}">
+                <a14:useLocalDpi xmlns:a14="http://schemas.microsoft.com/office/drawing/2010/main" val="0"/>
+              </a:ext>
+            </a:extLst>
+          </a:blip>
+          <a:srcRect l="72425" t="90936" r="24823" b="4213"/>
+          <a:stretch/>
+        </p:blipFill>
+        <p:spPr>
+          <a:xfrm>
+            <a:off x="10367159" y="6400799"/>
+            <a:ext cx="308758" cy="332509"/>
+          </a:xfrm>
+          <a:prstGeom prst="rect">
+            <a:avLst/>
+          </a:prstGeom>
+        </p:spPr>
+      </p:pic>
+      <p:pic>
+        <p:nvPicPr>
+          <p:cNvPr id="6" name="Picture 5">
+            <a:extLst>
+              <a:ext uri="{FF2B5EF4-FFF2-40B4-BE49-F238E27FC236}">
+                <a16:creationId xmlns:a16="http://schemas.microsoft.com/office/drawing/2014/main" id="{2E509F39-C595-8B42-BCA8-18E276153F35}"/>
+              </a:ext>
+            </a:extLst>
+          </p:cNvPr>
+          <p:cNvPicPr>
+            <a:picLocks noChangeAspect="1"/>
+          </p:cNvPicPr>
+          <p:nvPr/>
+        </p:nvPicPr>
+        <p:blipFill rotWithShape="1">
+          <a:blip r:embed="rId2">
+            <a:extLst>
+              <a:ext uri="{28A0092B-C50C-407E-A947-70E740481C1C}">
+                <a14:useLocalDpi xmlns:a14="http://schemas.microsoft.com/office/drawing/2010/main" val="0"/>
+              </a:ext>
+            </a:extLst>
+          </a:blip>
+          <a:srcRect l="72425" t="90936" r="24823" b="4213"/>
+          <a:stretch/>
+        </p:blipFill>
+        <p:spPr>
+          <a:xfrm>
+            <a:off x="11024253" y="6305798"/>
+            <a:ext cx="308758" cy="332509"/>
+          </a:xfrm>
+          <a:prstGeom prst="rect">
+            <a:avLst/>
+          </a:prstGeom>
+        </p:spPr>
+      </p:pic>
+      <p:pic>
+        <p:nvPicPr>
+          <p:cNvPr id="7" name="Picture 6">
+            <a:extLst>
+              <a:ext uri="{FF2B5EF4-FFF2-40B4-BE49-F238E27FC236}">
+                <a16:creationId xmlns:a16="http://schemas.microsoft.com/office/drawing/2014/main" id="{C6661317-D293-4243-B844-AD07DB45E34A}"/>
+              </a:ext>
+            </a:extLst>
+          </p:cNvPr>
+          <p:cNvPicPr>
+            <a:picLocks noChangeAspect="1"/>
+          </p:cNvPicPr>
+          <p:nvPr/>
+        </p:nvPicPr>
+        <p:blipFill rotWithShape="1">
+          <a:blip r:embed="rId2">
+            <a:extLst>
+              <a:ext uri="{28A0092B-C50C-407E-A947-70E740481C1C}">
+                <a14:useLocalDpi xmlns:a14="http://schemas.microsoft.com/office/drawing/2010/main" val="0"/>
+              </a:ext>
+            </a:extLst>
+          </a:blip>
+          <a:srcRect l="72425" t="90936" r="24823" b="4213"/>
+          <a:stretch/>
+        </p:blipFill>
+        <p:spPr>
+          <a:xfrm>
+            <a:off x="10869874" y="6472052"/>
+            <a:ext cx="308758" cy="332509"/>
+          </a:xfrm>
+          <a:prstGeom prst="rect">
+            <a:avLst/>
+          </a:prstGeom>
+        </p:spPr>
+      </p:pic>
+      <p:pic>
+        <p:nvPicPr>
+          <p:cNvPr id="8" name="Picture 7">
+            <a:extLst>
+              <a:ext uri="{FF2B5EF4-FFF2-40B4-BE49-F238E27FC236}">
+                <a16:creationId xmlns:a16="http://schemas.microsoft.com/office/drawing/2014/main" id="{7B6A2F32-5E44-8F4B-ABE2-2492207BAB67}"/>
+              </a:ext>
+            </a:extLst>
+          </p:cNvPr>
+          <p:cNvPicPr>
+            <a:picLocks noChangeAspect="1"/>
+          </p:cNvPicPr>
+          <p:nvPr/>
+        </p:nvPicPr>
+        <p:blipFill rotWithShape="1">
+          <a:blip r:embed="rId2">
+            <a:extLst>
+              <a:ext uri="{28A0092B-C50C-407E-A947-70E740481C1C}">
+                <a14:useLocalDpi xmlns:a14="http://schemas.microsoft.com/office/drawing/2010/main" val="0"/>
+              </a:ext>
+            </a:extLst>
+          </a:blip>
+          <a:srcRect l="72425" t="90936" r="24823" b="4213"/>
+          <a:stretch/>
+        </p:blipFill>
+        <p:spPr>
+          <a:xfrm>
+            <a:off x="11055918" y="6442364"/>
+            <a:ext cx="308758" cy="332509"/>
+          </a:xfrm>
+          <a:prstGeom prst="rect">
+            <a:avLst/>
+          </a:prstGeom>
+        </p:spPr>
+      </p:pic>
+      <p:pic>
+        <p:nvPicPr>
+          <p:cNvPr id="9" name="Picture 8">
+            <a:extLst>
+              <a:ext uri="{FF2B5EF4-FFF2-40B4-BE49-F238E27FC236}">
+                <a16:creationId xmlns:a16="http://schemas.microsoft.com/office/drawing/2014/main" id="{CBCDE345-90BF-4140-A3CE-E7445738E7B6}"/>
+              </a:ext>
+            </a:extLst>
+          </p:cNvPr>
+          <p:cNvPicPr>
+            <a:picLocks noChangeAspect="1"/>
+          </p:cNvPicPr>
+          <p:nvPr/>
+        </p:nvPicPr>
+        <p:blipFill rotWithShape="1">
+          <a:blip r:embed="rId2">
+            <a:extLst>
+              <a:ext uri="{28A0092B-C50C-407E-A947-70E740481C1C}">
+                <a14:useLocalDpi xmlns:a14="http://schemas.microsoft.com/office/drawing/2010/main" val="0"/>
+              </a:ext>
+            </a:extLst>
+          </a:blip>
+          <a:srcRect l="98430"/>
+          <a:stretch/>
+        </p:blipFill>
+        <p:spPr>
+          <a:xfrm>
+            <a:off x="11705098" y="0"/>
+            <a:ext cx="176151" cy="6858000"/>
+          </a:xfrm>
+          <a:prstGeom prst="rect">
+            <a:avLst/>
+          </a:prstGeom>
+        </p:spPr>
+      </p:pic>
+      <p:pic>
+        <p:nvPicPr>
+          <p:cNvPr id="11" name="Picture 10">
+            <a:extLst>
+              <a:ext uri="{FF2B5EF4-FFF2-40B4-BE49-F238E27FC236}">
+                <a16:creationId xmlns:a16="http://schemas.microsoft.com/office/drawing/2014/main" id="{5784566E-2E0C-E544-A316-FA097EC09BA0}"/>
+              </a:ext>
+            </a:extLst>
+          </p:cNvPr>
+          <p:cNvPicPr>
+            <a:picLocks noChangeAspect="1"/>
+          </p:cNvPicPr>
+          <p:nvPr/>
+        </p:nvPicPr>
+        <p:blipFill rotWithShape="1">
+          <a:blip r:embed="rId2">
+            <a:extLst>
+              <a:ext uri="{28A0092B-C50C-407E-A947-70E740481C1C}">
+                <a14:useLocalDpi xmlns:a14="http://schemas.microsoft.com/office/drawing/2010/main" val="0"/>
+              </a:ext>
+            </a:extLst>
+          </a:blip>
+          <a:srcRect l="98430"/>
+          <a:stretch/>
+        </p:blipFill>
+        <p:spPr>
+          <a:xfrm>
+            <a:off x="11880255" y="0"/>
+            <a:ext cx="176151" cy="6858000"/>
+          </a:xfrm>
+          <a:prstGeom prst="rect">
+            <a:avLst/>
+          </a:prstGeom>
+        </p:spPr>
+      </p:pic>
+      <p:pic>
+        <p:nvPicPr>
+          <p:cNvPr id="12" name="Picture 11">
+            <a:extLst>
+              <a:ext uri="{FF2B5EF4-FFF2-40B4-BE49-F238E27FC236}">
+                <a16:creationId xmlns:a16="http://schemas.microsoft.com/office/drawing/2014/main" id="{A39FF86E-C7E3-4E4B-BF9E-6881DC6AC6E4}"/>
+              </a:ext>
+            </a:extLst>
+          </p:cNvPr>
+          <p:cNvPicPr>
+            <a:picLocks noChangeAspect="1"/>
+          </p:cNvPicPr>
+          <p:nvPr/>
+        </p:nvPicPr>
+        <p:blipFill rotWithShape="1">
+          <a:blip r:embed="rId2">
+            <a:extLst>
+              <a:ext uri="{28A0092B-C50C-407E-A947-70E740481C1C}">
+                <a14:useLocalDpi xmlns:a14="http://schemas.microsoft.com/office/drawing/2010/main" val="0"/>
+              </a:ext>
+            </a:extLst>
+          </a:blip>
+          <a:srcRect l="72425" t="90936" r="24823" b="4213"/>
+          <a:stretch/>
+        </p:blipFill>
+        <p:spPr>
+          <a:xfrm>
+            <a:off x="11505194" y="6234544"/>
+            <a:ext cx="548240" cy="332509"/>
+          </a:xfrm>
+          <a:prstGeom prst="rect">
+            <a:avLst/>
+          </a:prstGeom>
+        </p:spPr>
+      </p:pic>
+      <p:pic>
+        <p:nvPicPr>
+          <p:cNvPr id="13" name="Picture 12">
+            <a:extLst>
+              <a:ext uri="{FF2B5EF4-FFF2-40B4-BE49-F238E27FC236}">
+                <a16:creationId xmlns:a16="http://schemas.microsoft.com/office/drawing/2014/main" id="{39A6EE4E-CF8A-6549-8889-459C5BEE18ED}"/>
+              </a:ext>
+            </a:extLst>
+          </p:cNvPr>
+          <p:cNvPicPr>
+            <a:picLocks noChangeAspect="1"/>
+          </p:cNvPicPr>
+          <p:nvPr/>
+        </p:nvPicPr>
+        <p:blipFill rotWithShape="1">
+          <a:blip r:embed="rId2">
+            <a:extLst>
+              <a:ext uri="{28A0092B-C50C-407E-A947-70E740481C1C}">
+                <a14:useLocalDpi xmlns:a14="http://schemas.microsoft.com/office/drawing/2010/main" val="0"/>
+              </a:ext>
+            </a:extLst>
+          </a:blip>
+          <a:srcRect l="72425" t="90936" r="24823" b="4213"/>
+          <a:stretch/>
+        </p:blipFill>
+        <p:spPr>
+          <a:xfrm>
+            <a:off x="11208318" y="6594765"/>
+            <a:ext cx="308758" cy="263236"/>
+          </a:xfrm>
+          <a:prstGeom prst="rect">
+            <a:avLst/>
+          </a:prstGeom>
+        </p:spPr>
+      </p:pic>
+      <p:pic>
+        <p:nvPicPr>
+          <p:cNvPr id="14" name="Picture 13">
+            <a:extLst>
+              <a:ext uri="{FF2B5EF4-FFF2-40B4-BE49-F238E27FC236}">
+                <a16:creationId xmlns:a16="http://schemas.microsoft.com/office/drawing/2014/main" id="{71D7C376-DB8C-9747-A8B4-5279660CB3A3}"/>
+              </a:ext>
+            </a:extLst>
+          </p:cNvPr>
+          <p:cNvPicPr>
+            <a:picLocks noChangeAspect="1"/>
+          </p:cNvPicPr>
+          <p:nvPr/>
+        </p:nvPicPr>
+        <p:blipFill rotWithShape="1">
+          <a:blip r:embed="rId2">
+            <a:extLst>
+              <a:ext uri="{28A0092B-C50C-407E-A947-70E740481C1C}">
+                <a14:useLocalDpi xmlns:a14="http://schemas.microsoft.com/office/drawing/2010/main" val="0"/>
+              </a:ext>
+            </a:extLst>
+          </a:blip>
+          <a:srcRect l="96860" t="13882" r="1358" b="82655"/>
+          <a:stretch/>
+        </p:blipFill>
+        <p:spPr>
+          <a:xfrm>
+            <a:off x="11529941" y="736269"/>
+            <a:ext cx="199904" cy="237507"/>
+          </a:xfrm>
+          <a:prstGeom prst="rect">
+            <a:avLst/>
+          </a:prstGeom>
+        </p:spPr>
+      </p:pic>
+      <p:pic>
+        <p:nvPicPr>
+          <p:cNvPr id="15" name="Picture 14">
+            <a:extLst>
+              <a:ext uri="{FF2B5EF4-FFF2-40B4-BE49-F238E27FC236}">
+                <a16:creationId xmlns:a16="http://schemas.microsoft.com/office/drawing/2014/main" id="{35BB9214-170D-1546-9E6A-BBDC45AA104A}"/>
+              </a:ext>
+            </a:extLst>
+          </p:cNvPr>
+          <p:cNvPicPr>
+            <a:picLocks noChangeAspect="1"/>
+          </p:cNvPicPr>
+          <p:nvPr/>
+        </p:nvPicPr>
+        <p:blipFill rotWithShape="1">
+          <a:blip r:embed="rId2">
+            <a:extLst>
+              <a:ext uri="{28A0092B-C50C-407E-A947-70E740481C1C}">
+                <a14:useLocalDpi xmlns:a14="http://schemas.microsoft.com/office/drawing/2010/main" val="0"/>
+              </a:ext>
+            </a:extLst>
+          </a:blip>
+          <a:srcRect l="96860" t="13882" r="1358" b="82655"/>
+          <a:stretch/>
+        </p:blipFill>
+        <p:spPr>
+          <a:xfrm>
+            <a:off x="11329029" y="750124"/>
+            <a:ext cx="199904" cy="237507"/>
+          </a:xfrm>
+          <a:prstGeom prst="rect">
+            <a:avLst/>
+          </a:prstGeom>
+        </p:spPr>
+      </p:pic>
+      <p:pic>
+        <p:nvPicPr>
+          <p:cNvPr id="16" name="Picture 15">
+            <a:extLst>
+              <a:ext uri="{FF2B5EF4-FFF2-40B4-BE49-F238E27FC236}">
+                <a16:creationId xmlns:a16="http://schemas.microsoft.com/office/drawing/2014/main" id="{84C7679E-BE1E-1443-AF90-541FB9163064}"/>
+              </a:ext>
+            </a:extLst>
+          </p:cNvPr>
+          <p:cNvPicPr>
+            <a:picLocks noChangeAspect="1"/>
+          </p:cNvPicPr>
+          <p:nvPr/>
+        </p:nvPicPr>
+        <p:blipFill rotWithShape="1">
+          <a:blip r:embed="rId2">
+            <a:extLst>
+              <a:ext uri="{28A0092B-C50C-407E-A947-70E740481C1C}">
+                <a14:useLocalDpi xmlns:a14="http://schemas.microsoft.com/office/drawing/2010/main" val="0"/>
+              </a:ext>
+            </a:extLst>
+          </a:blip>
+          <a:srcRect l="96860" t="13882" r="1358" b="82655"/>
+          <a:stretch/>
+        </p:blipFill>
+        <p:spPr>
+          <a:xfrm>
+            <a:off x="11729845" y="736268"/>
+            <a:ext cx="199904" cy="237507"/>
+          </a:xfrm>
+          <a:prstGeom prst="rect">
+            <a:avLst/>
+          </a:prstGeom>
+        </p:spPr>
+      </p:pic>
+      <p:pic>
+        <p:nvPicPr>
+          <p:cNvPr id="17" name="Picture 16">
+            <a:extLst>
+              <a:ext uri="{FF2B5EF4-FFF2-40B4-BE49-F238E27FC236}">
+                <a16:creationId xmlns:a16="http://schemas.microsoft.com/office/drawing/2014/main" id="{D5965DFC-001F-044F-8308-3692B9BE06F5}"/>
+              </a:ext>
+            </a:extLst>
+          </p:cNvPr>
+          <p:cNvPicPr>
+            <a:picLocks noChangeAspect="1"/>
+          </p:cNvPicPr>
+          <p:nvPr/>
+        </p:nvPicPr>
+        <p:blipFill rotWithShape="1">
+          <a:blip r:embed="rId2">
+            <a:extLst>
+              <a:ext uri="{28A0092B-C50C-407E-A947-70E740481C1C}">
+                <a14:useLocalDpi xmlns:a14="http://schemas.microsoft.com/office/drawing/2010/main" val="0"/>
+              </a:ext>
+            </a:extLst>
+          </a:blip>
+          <a:srcRect l="96860" t="13882" r="1358" b="82655"/>
+          <a:stretch/>
+        </p:blipFill>
+        <p:spPr>
+          <a:xfrm>
+            <a:off x="11857479" y="736267"/>
+            <a:ext cx="199904" cy="237507"/>
+          </a:xfrm>
+          <a:prstGeom prst="rect">
+            <a:avLst/>
+          </a:prstGeom>
+        </p:spPr>
+      </p:pic>
+      <p:pic>
+        <p:nvPicPr>
+          <p:cNvPr id="18" name="Picture 17">
+            <a:extLst>
+              <a:ext uri="{FF2B5EF4-FFF2-40B4-BE49-F238E27FC236}">
+                <a16:creationId xmlns:a16="http://schemas.microsoft.com/office/drawing/2014/main" id="{E12D9F3B-1680-294B-A18E-F775E96EF116}"/>
+              </a:ext>
+            </a:extLst>
+          </p:cNvPr>
+          <p:cNvPicPr>
+            <a:picLocks noChangeAspect="1"/>
+          </p:cNvPicPr>
+          <p:nvPr/>
+        </p:nvPicPr>
+        <p:blipFill rotWithShape="1">
+          <a:blip r:embed="rId2">
+            <a:extLst>
+              <a:ext uri="{28A0092B-C50C-407E-A947-70E740481C1C}">
+                <a14:useLocalDpi xmlns:a14="http://schemas.microsoft.com/office/drawing/2010/main" val="0"/>
+              </a:ext>
+            </a:extLst>
+          </a:blip>
+          <a:srcRect l="21931" t="46089" r="76905" b="50794"/>
+          <a:stretch/>
+        </p:blipFill>
+        <p:spPr>
+          <a:xfrm>
+            <a:off x="2838203" y="3273273"/>
+            <a:ext cx="380009" cy="728711"/>
+          </a:xfrm>
+          <a:prstGeom prst="rect">
+            <a:avLst/>
+          </a:prstGeom>
+        </p:spPr>
+      </p:pic>
+      <p:pic>
+        <p:nvPicPr>
+          <p:cNvPr id="20" name="Picture 19">
+            <a:extLst>
+              <a:ext uri="{FF2B5EF4-FFF2-40B4-BE49-F238E27FC236}">
+                <a16:creationId xmlns:a16="http://schemas.microsoft.com/office/drawing/2014/main" id="{E6EF3DC4-43F3-9A45-B99B-BCC65970B948}"/>
+              </a:ext>
+            </a:extLst>
+          </p:cNvPr>
+          <p:cNvPicPr>
+            <a:picLocks noChangeAspect="1"/>
+          </p:cNvPicPr>
+          <p:nvPr/>
+        </p:nvPicPr>
+        <p:blipFill rotWithShape="1">
+          <a:blip r:embed="rId2">
+            <a:extLst>
+              <a:ext uri="{28A0092B-C50C-407E-A947-70E740481C1C}">
+                <a14:useLocalDpi xmlns:a14="http://schemas.microsoft.com/office/drawing/2010/main" val="0"/>
+              </a:ext>
+            </a:extLst>
+          </a:blip>
+          <a:srcRect l="21931" t="46089" r="76905" b="50794"/>
+          <a:stretch/>
+        </p:blipFill>
+        <p:spPr>
+          <a:xfrm>
+            <a:off x="2615263" y="4572000"/>
+            <a:ext cx="222940" cy="427512"/>
+          </a:xfrm>
+          <a:prstGeom prst="rect">
+            <a:avLst/>
+          </a:prstGeom>
+        </p:spPr>
+      </p:pic>
+      <p:pic>
+        <p:nvPicPr>
+          <p:cNvPr id="21" name="Picture 20">
+            <a:extLst>
+              <a:ext uri="{FF2B5EF4-FFF2-40B4-BE49-F238E27FC236}">
+                <a16:creationId xmlns:a16="http://schemas.microsoft.com/office/drawing/2014/main" id="{35604CE4-ED97-7643-A42E-F0DE9459D216}"/>
+              </a:ext>
+            </a:extLst>
+          </p:cNvPr>
+          <p:cNvPicPr>
+            <a:picLocks noChangeAspect="1"/>
+          </p:cNvPicPr>
+          <p:nvPr/>
+        </p:nvPicPr>
+        <p:blipFill rotWithShape="1">
+          <a:blip r:embed="rId2">
+            <a:extLst>
+              <a:ext uri="{28A0092B-C50C-407E-A947-70E740481C1C}">
+                <a14:useLocalDpi xmlns:a14="http://schemas.microsoft.com/office/drawing/2010/main" val="0"/>
+              </a:ext>
+            </a:extLst>
+          </a:blip>
+          <a:srcRect l="21931" t="46089" r="76905" b="50794"/>
+          <a:stretch/>
+        </p:blipFill>
+        <p:spPr>
+          <a:xfrm>
+            <a:off x="2638039" y="4785756"/>
+            <a:ext cx="222940" cy="427512"/>
+          </a:xfrm>
+          <a:prstGeom prst="rect">
+            <a:avLst/>
+          </a:prstGeom>
+        </p:spPr>
+      </p:pic>
+      <p:pic>
+        <p:nvPicPr>
+          <p:cNvPr id="22" name="Picture 21">
+            <a:extLst>
+              <a:ext uri="{FF2B5EF4-FFF2-40B4-BE49-F238E27FC236}">
+                <a16:creationId xmlns:a16="http://schemas.microsoft.com/office/drawing/2014/main" id="{7853B559-0B2F-E844-8A20-D7347AE85AA8}"/>
+              </a:ext>
+            </a:extLst>
+          </p:cNvPr>
+          <p:cNvPicPr>
+            <a:picLocks noChangeAspect="1"/>
+          </p:cNvPicPr>
+          <p:nvPr/>
+        </p:nvPicPr>
+        <p:blipFill rotWithShape="1">
+          <a:blip r:embed="rId2">
+            <a:extLst>
+              <a:ext uri="{28A0092B-C50C-407E-A947-70E740481C1C}">
+                <a14:useLocalDpi xmlns:a14="http://schemas.microsoft.com/office/drawing/2010/main" val="0"/>
+              </a:ext>
+            </a:extLst>
+          </a:blip>
+          <a:srcRect l="21931" t="46089" r="76905" b="50794"/>
+          <a:stretch/>
+        </p:blipFill>
+        <p:spPr>
+          <a:xfrm>
+            <a:off x="2813196" y="4572000"/>
+            <a:ext cx="222940" cy="427512"/>
+          </a:xfrm>
+          <a:prstGeom prst="rect">
+            <a:avLst/>
+          </a:prstGeom>
+        </p:spPr>
+      </p:pic>
+      <p:pic>
+        <p:nvPicPr>
+          <p:cNvPr id="23" name="Picture 22">
+            <a:extLst>
+              <a:ext uri="{FF2B5EF4-FFF2-40B4-BE49-F238E27FC236}">
+                <a16:creationId xmlns:a16="http://schemas.microsoft.com/office/drawing/2014/main" id="{61E89D52-C3EE-5A4F-A9AE-60F80D90231F}"/>
+              </a:ext>
+            </a:extLst>
+          </p:cNvPr>
+          <p:cNvPicPr>
+            <a:picLocks noChangeAspect="1"/>
+          </p:cNvPicPr>
+          <p:nvPr/>
+        </p:nvPicPr>
+        <p:blipFill rotWithShape="1">
+          <a:blip r:embed="rId2">
+            <a:extLst>
+              <a:ext uri="{28A0092B-C50C-407E-A947-70E740481C1C}">
+                <a14:useLocalDpi xmlns:a14="http://schemas.microsoft.com/office/drawing/2010/main" val="0"/>
+              </a:ext>
+            </a:extLst>
+          </a:blip>
+          <a:srcRect l="21931" t="46089" r="76905" b="50794"/>
+          <a:stretch/>
+        </p:blipFill>
+        <p:spPr>
+          <a:xfrm>
+            <a:off x="2877143" y="4820393"/>
+            <a:ext cx="222940" cy="427512"/>
+          </a:xfrm>
+          <a:prstGeom prst="rect">
+            <a:avLst/>
+          </a:prstGeom>
+        </p:spPr>
+      </p:pic>
+      <p:pic>
+        <p:nvPicPr>
+          <p:cNvPr id="24" name="Picture 23">
+            <a:extLst>
+              <a:ext uri="{FF2B5EF4-FFF2-40B4-BE49-F238E27FC236}">
+                <a16:creationId xmlns:a16="http://schemas.microsoft.com/office/drawing/2014/main" id="{F9064D43-C9D6-184F-81AF-295A2D9A8489}"/>
+              </a:ext>
+            </a:extLst>
+          </p:cNvPr>
+          <p:cNvPicPr>
+            <a:picLocks noChangeAspect="1"/>
+          </p:cNvPicPr>
+          <p:nvPr/>
+        </p:nvPicPr>
+        <p:blipFill rotWithShape="1">
+          <a:blip r:embed="rId2">
+            <a:extLst>
+              <a:ext uri="{28A0092B-C50C-407E-A947-70E740481C1C}">
+                <a14:useLocalDpi xmlns:a14="http://schemas.microsoft.com/office/drawing/2010/main" val="0"/>
+              </a:ext>
+            </a:extLst>
+          </a:blip>
+          <a:srcRect l="21931" t="46089" r="76905" b="50794"/>
+          <a:stretch/>
+        </p:blipFill>
+        <p:spPr>
+          <a:xfrm>
+            <a:off x="2874217" y="4472545"/>
+            <a:ext cx="222940" cy="427512"/>
+          </a:xfrm>
+          <a:prstGeom prst="rect">
+            <a:avLst/>
+          </a:prstGeom>
+        </p:spPr>
+      </p:pic>
+      <p:pic>
+        <p:nvPicPr>
+          <p:cNvPr id="25" name="Picture 24">
+            <a:extLst>
+              <a:ext uri="{FF2B5EF4-FFF2-40B4-BE49-F238E27FC236}">
+                <a16:creationId xmlns:a16="http://schemas.microsoft.com/office/drawing/2014/main" id="{802026C3-D5C8-A14D-A388-A2A965BC0217}"/>
+              </a:ext>
+            </a:extLst>
+          </p:cNvPr>
+          <p:cNvPicPr>
+            <a:picLocks noChangeAspect="1"/>
+          </p:cNvPicPr>
+          <p:nvPr/>
+        </p:nvPicPr>
+        <p:blipFill rotWithShape="1">
+          <a:blip r:embed="rId2">
+            <a:extLst>
+              <a:ext uri="{28A0092B-C50C-407E-A947-70E740481C1C}">
+                <a14:useLocalDpi xmlns:a14="http://schemas.microsoft.com/office/drawing/2010/main" val="0"/>
+              </a:ext>
+            </a:extLst>
+          </a:blip>
+          <a:srcRect l="21931" t="46089" r="76905" b="50794"/>
+          <a:stretch/>
+        </p:blipFill>
+        <p:spPr>
+          <a:xfrm>
+            <a:off x="2590516" y="4358244"/>
+            <a:ext cx="222940" cy="427512"/>
+          </a:xfrm>
+          <a:prstGeom prst="rect">
+            <a:avLst/>
+          </a:prstGeom>
+        </p:spPr>
+      </p:pic>
+      <p:pic>
+        <p:nvPicPr>
+          <p:cNvPr id="26" name="Picture 25">
+            <a:extLst>
+              <a:ext uri="{FF2B5EF4-FFF2-40B4-BE49-F238E27FC236}">
+                <a16:creationId xmlns:a16="http://schemas.microsoft.com/office/drawing/2014/main" id="{48CD0BC7-82A6-1B41-BE85-939F95A8DDD9}"/>
+              </a:ext>
+            </a:extLst>
+          </p:cNvPr>
+          <p:cNvPicPr>
+            <a:picLocks noChangeAspect="1"/>
+          </p:cNvPicPr>
+          <p:nvPr/>
+        </p:nvPicPr>
+        <p:blipFill rotWithShape="1">
+          <a:blip r:embed="rId2">
+            <a:extLst>
+              <a:ext uri="{28A0092B-C50C-407E-A947-70E740481C1C}">
+                <a14:useLocalDpi xmlns:a14="http://schemas.microsoft.com/office/drawing/2010/main" val="0"/>
+              </a:ext>
+            </a:extLst>
+          </a:blip>
+          <a:srcRect l="21931" t="46089" r="76905" b="50794"/>
+          <a:stretch/>
+        </p:blipFill>
+        <p:spPr>
+          <a:xfrm>
+            <a:off x="2565769" y="4502727"/>
+            <a:ext cx="222940" cy="427512"/>
+          </a:xfrm>
+          <a:prstGeom prst="rect">
+            <a:avLst/>
+          </a:prstGeom>
+        </p:spPr>
+      </p:pic>
+      <p:pic>
+        <p:nvPicPr>
+          <p:cNvPr id="27" name="Picture 26">
+            <a:extLst>
+              <a:ext uri="{FF2B5EF4-FFF2-40B4-BE49-F238E27FC236}">
+                <a16:creationId xmlns:a16="http://schemas.microsoft.com/office/drawing/2014/main" id="{3DFB80FC-F8CE-524F-B616-EEF0C801457C}"/>
+              </a:ext>
+            </a:extLst>
+          </p:cNvPr>
+          <p:cNvPicPr>
+            <a:picLocks noChangeAspect="1"/>
+          </p:cNvPicPr>
+          <p:nvPr/>
+        </p:nvPicPr>
+        <p:blipFill rotWithShape="1">
+          <a:blip r:embed="rId2">
+            <a:extLst>
+              <a:ext uri="{28A0092B-C50C-407E-A947-70E740481C1C}">
+                <a14:useLocalDpi xmlns:a14="http://schemas.microsoft.com/office/drawing/2010/main" val="0"/>
+              </a:ext>
+            </a:extLst>
+          </a:blip>
+          <a:srcRect l="21931" t="46089" r="76905" b="50794"/>
+          <a:stretch/>
+        </p:blipFill>
+        <p:spPr>
+          <a:xfrm>
+            <a:off x="2650324" y="3570020"/>
+            <a:ext cx="222940" cy="427512"/>
+          </a:xfrm>
+          <a:prstGeom prst="rect">
+            <a:avLst/>
+          </a:prstGeom>
+        </p:spPr>
+      </p:pic>
+      <p:pic>
+        <p:nvPicPr>
+          <p:cNvPr id="28" name="Picture 27">
+            <a:extLst>
+              <a:ext uri="{FF2B5EF4-FFF2-40B4-BE49-F238E27FC236}">
+                <a16:creationId xmlns:a16="http://schemas.microsoft.com/office/drawing/2014/main" id="{15FF007D-6517-9649-909F-BEAE2126BFB9}"/>
+              </a:ext>
+            </a:extLst>
+          </p:cNvPr>
+          <p:cNvPicPr>
+            <a:picLocks noChangeAspect="1"/>
+          </p:cNvPicPr>
+          <p:nvPr/>
+        </p:nvPicPr>
+        <p:blipFill rotWithShape="1">
+          <a:blip r:embed="rId2">
+            <a:extLst>
+              <a:ext uri="{28A0092B-C50C-407E-A947-70E740481C1C}">
+                <a14:useLocalDpi xmlns:a14="http://schemas.microsoft.com/office/drawing/2010/main" val="0"/>
+              </a:ext>
+            </a:extLst>
+          </a:blip>
+          <a:srcRect l="21931" t="46089" r="76905" b="50794"/>
+          <a:stretch/>
+        </p:blipFill>
+        <p:spPr>
+          <a:xfrm>
+            <a:off x="2661632" y="3356264"/>
+            <a:ext cx="222940" cy="427512"/>
+          </a:xfrm>
+          <a:prstGeom prst="rect">
+            <a:avLst/>
+          </a:prstGeom>
+        </p:spPr>
+      </p:pic>
+      <p:pic>
+        <p:nvPicPr>
+          <p:cNvPr id="29" name="Picture 28">
+            <a:extLst>
+              <a:ext uri="{FF2B5EF4-FFF2-40B4-BE49-F238E27FC236}">
+                <a16:creationId xmlns:a16="http://schemas.microsoft.com/office/drawing/2014/main" id="{217E4E9D-B822-824D-B6CD-F824C55F8237}"/>
+              </a:ext>
+            </a:extLst>
+          </p:cNvPr>
+          <p:cNvPicPr>
+            <a:picLocks noChangeAspect="1"/>
+          </p:cNvPicPr>
+          <p:nvPr/>
+        </p:nvPicPr>
+        <p:blipFill rotWithShape="1">
+          <a:blip r:embed="rId2">
+            <a:extLst>
+              <a:ext uri="{28A0092B-C50C-407E-A947-70E740481C1C}">
+                <a14:useLocalDpi xmlns:a14="http://schemas.microsoft.com/office/drawing/2010/main" val="0"/>
+              </a:ext>
+            </a:extLst>
+          </a:blip>
+          <a:srcRect l="21931" t="46089" r="76905" b="50794"/>
+          <a:stretch/>
+        </p:blipFill>
+        <p:spPr>
+          <a:xfrm rot="16437556">
+            <a:off x="2649188" y="3158058"/>
+            <a:ext cx="222940" cy="427512"/>
+          </a:xfrm>
+          <a:prstGeom prst="rect">
+            <a:avLst/>
+          </a:prstGeom>
+        </p:spPr>
+      </p:pic>
+      <p:pic>
+        <p:nvPicPr>
+          <p:cNvPr id="30" name="Picture 29">
+            <a:extLst>
+              <a:ext uri="{FF2B5EF4-FFF2-40B4-BE49-F238E27FC236}">
+                <a16:creationId xmlns:a16="http://schemas.microsoft.com/office/drawing/2014/main" id="{D6B17572-79B7-6C49-B030-2A977F3C5240}"/>
+              </a:ext>
+            </a:extLst>
+          </p:cNvPr>
+          <p:cNvPicPr>
+            <a:picLocks noChangeAspect="1"/>
+          </p:cNvPicPr>
+          <p:nvPr/>
+        </p:nvPicPr>
+        <p:blipFill rotWithShape="1">
+          <a:blip r:embed="rId2">
+            <a:extLst>
+              <a:ext uri="{28A0092B-C50C-407E-A947-70E740481C1C}">
+                <a14:useLocalDpi xmlns:a14="http://schemas.microsoft.com/office/drawing/2010/main" val="0"/>
+              </a:ext>
+            </a:extLst>
+          </a:blip>
+          <a:srcRect l="21931" t="46089" r="76905" b="50794"/>
+          <a:stretch/>
+        </p:blipFill>
+        <p:spPr>
+          <a:xfrm rot="17850260">
+            <a:off x="2638449" y="3290455"/>
+            <a:ext cx="222940" cy="427512"/>
+          </a:xfrm>
+          <a:prstGeom prst="rect">
+            <a:avLst/>
+          </a:prstGeom>
+        </p:spPr>
+      </p:pic>
+      <p:pic>
+        <p:nvPicPr>
+          <p:cNvPr id="31" name="Picture 30">
+            <a:extLst>
+              <a:ext uri="{FF2B5EF4-FFF2-40B4-BE49-F238E27FC236}">
+                <a16:creationId xmlns:a16="http://schemas.microsoft.com/office/drawing/2014/main" id="{3075928F-F3D5-C049-BABF-1B844016ADD2}"/>
+              </a:ext>
+            </a:extLst>
+          </p:cNvPr>
+          <p:cNvPicPr>
+            <a:picLocks noChangeAspect="1"/>
+          </p:cNvPicPr>
+          <p:nvPr/>
+        </p:nvPicPr>
+        <p:blipFill rotWithShape="1">
+          <a:blip r:embed="rId2">
+            <a:extLst>
+              <a:ext uri="{28A0092B-C50C-407E-A947-70E740481C1C}">
+                <a14:useLocalDpi xmlns:a14="http://schemas.microsoft.com/office/drawing/2010/main" val="0"/>
+              </a:ext>
+            </a:extLst>
+          </a:blip>
+          <a:srcRect l="21931" t="46089" r="76905" b="50794"/>
+          <a:stretch/>
+        </p:blipFill>
+        <p:spPr>
+          <a:xfrm>
+            <a:off x="2813196" y="2373669"/>
+            <a:ext cx="222940" cy="427512"/>
+          </a:xfrm>
+          <a:prstGeom prst="rect">
+            <a:avLst/>
+          </a:prstGeom>
+        </p:spPr>
+      </p:pic>
+      <p:pic>
+        <p:nvPicPr>
+          <p:cNvPr id="32" name="Picture 31">
+            <a:extLst>
+              <a:ext uri="{FF2B5EF4-FFF2-40B4-BE49-F238E27FC236}">
+                <a16:creationId xmlns:a16="http://schemas.microsoft.com/office/drawing/2014/main" id="{243D0DDE-A6CD-7D40-A024-D72C071A11B1}"/>
+              </a:ext>
+            </a:extLst>
+          </p:cNvPr>
+          <p:cNvPicPr>
+            <a:picLocks noChangeAspect="1"/>
+          </p:cNvPicPr>
+          <p:nvPr/>
+        </p:nvPicPr>
+        <p:blipFill rotWithShape="1">
+          <a:blip r:embed="rId2">
+            <a:extLst>
+              <a:ext uri="{28A0092B-C50C-407E-A947-70E740481C1C}">
+                <a14:useLocalDpi xmlns:a14="http://schemas.microsoft.com/office/drawing/2010/main" val="0"/>
+              </a:ext>
+            </a:extLst>
+          </a:blip>
+          <a:srcRect l="21931" t="46089" r="76905" b="50794"/>
+          <a:stretch/>
+        </p:blipFill>
+        <p:spPr>
+          <a:xfrm>
+            <a:off x="2874217" y="2608949"/>
+            <a:ext cx="222940" cy="427512"/>
+          </a:xfrm>
+          <a:prstGeom prst="rect">
+            <a:avLst/>
+          </a:prstGeom>
+        </p:spPr>
+      </p:pic>
+      <p:pic>
+        <p:nvPicPr>
+          <p:cNvPr id="33" name="Picture 32">
+            <a:extLst>
+              <a:ext uri="{FF2B5EF4-FFF2-40B4-BE49-F238E27FC236}">
+                <a16:creationId xmlns:a16="http://schemas.microsoft.com/office/drawing/2014/main" id="{8FE6EF3C-5788-324E-8A1E-2613CBA279B7}"/>
+              </a:ext>
+            </a:extLst>
+          </p:cNvPr>
+          <p:cNvPicPr>
+            <a:picLocks noChangeAspect="1"/>
+          </p:cNvPicPr>
+          <p:nvPr/>
+        </p:nvPicPr>
+        <p:blipFill rotWithShape="1">
+          <a:blip r:embed="rId2">
+            <a:extLst>
+              <a:ext uri="{28A0092B-C50C-407E-A947-70E740481C1C}">
+                <a14:useLocalDpi xmlns:a14="http://schemas.microsoft.com/office/drawing/2010/main" val="0"/>
+              </a:ext>
+            </a:extLst>
+          </a:blip>
+          <a:srcRect l="21931" t="46089" r="76905" b="50794"/>
+          <a:stretch/>
+        </p:blipFill>
+        <p:spPr>
+          <a:xfrm>
+            <a:off x="3030515" y="2362279"/>
+            <a:ext cx="222940" cy="427512"/>
+          </a:xfrm>
+          <a:prstGeom prst="rect">
+            <a:avLst/>
+          </a:prstGeom>
+        </p:spPr>
+      </p:pic>
+      <p:pic>
+        <p:nvPicPr>
+          <p:cNvPr id="34" name="Picture 33">
+            <a:extLst>
+              <a:ext uri="{FF2B5EF4-FFF2-40B4-BE49-F238E27FC236}">
+                <a16:creationId xmlns:a16="http://schemas.microsoft.com/office/drawing/2014/main" id="{E9FCE2E9-BB09-0840-BC63-A81AA2C54E0B}"/>
+              </a:ext>
+            </a:extLst>
+          </p:cNvPr>
+          <p:cNvPicPr>
+            <a:picLocks noChangeAspect="1"/>
+          </p:cNvPicPr>
+          <p:nvPr/>
+        </p:nvPicPr>
+        <p:blipFill rotWithShape="1">
+          <a:blip r:embed="rId2">
+            <a:extLst>
+              <a:ext uri="{28A0092B-C50C-407E-A947-70E740481C1C}">
+                <a14:useLocalDpi xmlns:a14="http://schemas.microsoft.com/office/drawing/2010/main" val="0"/>
+              </a:ext>
+            </a:extLst>
+          </a:blip>
+          <a:srcRect l="21931" t="46089" r="76905" b="50794"/>
+          <a:stretch/>
+        </p:blipFill>
+        <p:spPr>
+          <a:xfrm>
+            <a:off x="2924666" y="1262585"/>
+            <a:ext cx="222940" cy="427512"/>
+          </a:xfrm>
+          <a:prstGeom prst="rect">
+            <a:avLst/>
+          </a:prstGeom>
+        </p:spPr>
+      </p:pic>
+      <p:pic>
+        <p:nvPicPr>
+          <p:cNvPr id="35" name="Picture 34">
+            <a:extLst>
+              <a:ext uri="{FF2B5EF4-FFF2-40B4-BE49-F238E27FC236}">
+                <a16:creationId xmlns:a16="http://schemas.microsoft.com/office/drawing/2014/main" id="{A77793E6-F852-BC47-A385-3F775AAE7D02}"/>
+              </a:ext>
+            </a:extLst>
+          </p:cNvPr>
+          <p:cNvPicPr>
+            <a:picLocks noChangeAspect="1"/>
+          </p:cNvPicPr>
+          <p:nvPr/>
+        </p:nvPicPr>
+        <p:blipFill rotWithShape="1">
+          <a:blip r:embed="rId2">
+            <a:extLst>
+              <a:ext uri="{28A0092B-C50C-407E-A947-70E740481C1C}">
+                <a14:useLocalDpi xmlns:a14="http://schemas.microsoft.com/office/drawing/2010/main" val="0"/>
+              </a:ext>
+            </a:extLst>
+          </a:blip>
+          <a:srcRect l="21931" t="46089" r="76905" b="50794"/>
+          <a:stretch/>
+        </p:blipFill>
+        <p:spPr>
+          <a:xfrm>
+            <a:off x="2887438" y="1318657"/>
+            <a:ext cx="222940" cy="427512"/>
+          </a:xfrm>
+          <a:prstGeom prst="rect">
+            <a:avLst/>
+          </a:prstGeom>
+        </p:spPr>
+      </p:pic>
+      <p:pic>
+        <p:nvPicPr>
+          <p:cNvPr id="36" name="Picture 35">
+            <a:extLst>
+              <a:ext uri="{FF2B5EF4-FFF2-40B4-BE49-F238E27FC236}">
+                <a16:creationId xmlns:a16="http://schemas.microsoft.com/office/drawing/2014/main" id="{D16097B8-B779-2844-BDFA-6D9A88C58DC9}"/>
+              </a:ext>
+            </a:extLst>
+          </p:cNvPr>
+          <p:cNvPicPr>
+            <a:picLocks noChangeAspect="1"/>
+          </p:cNvPicPr>
+          <p:nvPr/>
+        </p:nvPicPr>
+        <p:blipFill rotWithShape="1">
+          <a:blip r:embed="rId2">
+            <a:extLst>
+              <a:ext uri="{28A0092B-C50C-407E-A947-70E740481C1C}">
+                <a14:useLocalDpi xmlns:a14="http://schemas.microsoft.com/office/drawing/2010/main" val="0"/>
+              </a:ext>
+            </a:extLst>
+          </a:blip>
+          <a:srcRect l="21931" t="46089" r="76905" b="50794"/>
+          <a:stretch/>
+        </p:blipFill>
+        <p:spPr>
+          <a:xfrm>
+            <a:off x="2814093" y="1222541"/>
+            <a:ext cx="222940" cy="427512"/>
+          </a:xfrm>
+          <a:prstGeom prst="rect">
+            <a:avLst/>
+          </a:prstGeom>
+        </p:spPr>
+      </p:pic>
+      <p:pic>
+        <p:nvPicPr>
+          <p:cNvPr id="37" name="Picture 36">
+            <a:extLst>
+              <a:ext uri="{FF2B5EF4-FFF2-40B4-BE49-F238E27FC236}">
+                <a16:creationId xmlns:a16="http://schemas.microsoft.com/office/drawing/2014/main" id="{3C28AB27-6B9B-5344-AB54-C1CBABBE27D1}"/>
+              </a:ext>
+            </a:extLst>
+          </p:cNvPr>
+          <p:cNvPicPr>
+            <a:picLocks noChangeAspect="1"/>
+          </p:cNvPicPr>
+          <p:nvPr/>
+        </p:nvPicPr>
+        <p:blipFill rotWithShape="1">
+          <a:blip r:embed="rId2">
+            <a:extLst>
+              <a:ext uri="{28A0092B-C50C-407E-A947-70E740481C1C}">
+                <a14:useLocalDpi xmlns:a14="http://schemas.microsoft.com/office/drawing/2010/main" val="0"/>
+              </a:ext>
+            </a:extLst>
+          </a:blip>
+          <a:srcRect l="21931" t="46089" r="76905" b="50794"/>
+          <a:stretch/>
+        </p:blipFill>
+        <p:spPr>
+          <a:xfrm rot="16200000">
+            <a:off x="2710545" y="1368127"/>
+            <a:ext cx="228339" cy="331744"/>
+          </a:xfrm>
+          <a:prstGeom prst="rect">
+            <a:avLst/>
+          </a:prstGeom>
+        </p:spPr>
+      </p:pic>
+      <p:pic>
+        <p:nvPicPr>
+          <p:cNvPr id="38" name="Picture 37">
+            <a:extLst>
+              <a:ext uri="{FF2B5EF4-FFF2-40B4-BE49-F238E27FC236}">
+                <a16:creationId xmlns:a16="http://schemas.microsoft.com/office/drawing/2014/main" id="{DAC38104-6966-BF46-8A22-269918DA5910}"/>
+              </a:ext>
+            </a:extLst>
+          </p:cNvPr>
+          <p:cNvPicPr>
+            <a:picLocks noChangeAspect="1"/>
+          </p:cNvPicPr>
+          <p:nvPr/>
+        </p:nvPicPr>
+        <p:blipFill rotWithShape="1">
+          <a:blip r:embed="rId2">
+            <a:extLst>
+              <a:ext uri="{28A0092B-C50C-407E-A947-70E740481C1C}">
+                <a14:useLocalDpi xmlns:a14="http://schemas.microsoft.com/office/drawing/2010/main" val="0"/>
+              </a:ext>
+            </a:extLst>
+          </a:blip>
+          <a:srcRect l="21931" t="46089" r="76905" b="50794"/>
+          <a:stretch/>
+        </p:blipFill>
+        <p:spPr>
+          <a:xfrm rot="16200000">
+            <a:off x="2746810" y="1461062"/>
+            <a:ext cx="228339" cy="331744"/>
+          </a:xfrm>
+          <a:prstGeom prst="rect">
+            <a:avLst/>
+          </a:prstGeom>
+        </p:spPr>
+      </p:pic>
+      <p:pic>
+        <p:nvPicPr>
+          <p:cNvPr id="39" name="Picture 38">
+            <a:extLst>
+              <a:ext uri="{FF2B5EF4-FFF2-40B4-BE49-F238E27FC236}">
+                <a16:creationId xmlns:a16="http://schemas.microsoft.com/office/drawing/2014/main" id="{9553A52A-B6EE-BD4D-87A1-F85AA569B22B}"/>
+              </a:ext>
+            </a:extLst>
+          </p:cNvPr>
+          <p:cNvPicPr>
+            <a:picLocks noChangeAspect="1"/>
+          </p:cNvPicPr>
+          <p:nvPr/>
+        </p:nvPicPr>
+        <p:blipFill rotWithShape="1">
+          <a:blip r:embed="rId2">
+            <a:extLst>
+              <a:ext uri="{28A0092B-C50C-407E-A947-70E740481C1C}">
+                <a14:useLocalDpi xmlns:a14="http://schemas.microsoft.com/office/drawing/2010/main" val="0"/>
+              </a:ext>
+            </a:extLst>
+          </a:blip>
+          <a:srcRect l="21931" t="46089" r="76905" b="50794"/>
+          <a:stretch/>
+        </p:blipFill>
+        <p:spPr>
+          <a:xfrm rot="16200000">
+            <a:off x="2699026" y="5375322"/>
+            <a:ext cx="228339" cy="331744"/>
+          </a:xfrm>
+          <a:prstGeom prst="rect">
+            <a:avLst/>
+          </a:prstGeom>
+        </p:spPr>
+      </p:pic>
+      <p:pic>
+        <p:nvPicPr>
+          <p:cNvPr id="40" name="Picture 39">
+            <a:extLst>
+              <a:ext uri="{FF2B5EF4-FFF2-40B4-BE49-F238E27FC236}">
+                <a16:creationId xmlns:a16="http://schemas.microsoft.com/office/drawing/2014/main" id="{05B0A6AC-D3EE-4148-9995-0DEC6E7ED0FC}"/>
+              </a:ext>
+            </a:extLst>
+          </p:cNvPr>
+          <p:cNvPicPr>
+            <a:picLocks noChangeAspect="1"/>
+          </p:cNvPicPr>
+          <p:nvPr/>
+        </p:nvPicPr>
+        <p:blipFill rotWithShape="1">
+          <a:blip r:embed="rId2">
+            <a:extLst>
+              <a:ext uri="{28A0092B-C50C-407E-A947-70E740481C1C}">
+                <a14:useLocalDpi xmlns:a14="http://schemas.microsoft.com/office/drawing/2010/main" val="0"/>
+              </a:ext>
+            </a:extLst>
+          </a:blip>
+          <a:srcRect l="21931" t="46089" r="76905" b="50794"/>
+          <a:stretch/>
+        </p:blipFill>
+        <p:spPr>
+          <a:xfrm rot="16200000">
+            <a:off x="2555767" y="5492591"/>
+            <a:ext cx="228339" cy="331744"/>
+          </a:xfrm>
+          <a:prstGeom prst="rect">
+            <a:avLst/>
+          </a:prstGeom>
+        </p:spPr>
+      </p:pic>
+      <p:pic>
+        <p:nvPicPr>
+          <p:cNvPr id="41" name="Picture 40">
+            <a:extLst>
+              <a:ext uri="{FF2B5EF4-FFF2-40B4-BE49-F238E27FC236}">
+                <a16:creationId xmlns:a16="http://schemas.microsoft.com/office/drawing/2014/main" id="{74CEA3BF-AC09-6149-836D-A15735068FA6}"/>
+              </a:ext>
+            </a:extLst>
+          </p:cNvPr>
+          <p:cNvPicPr>
+            <a:picLocks noChangeAspect="1"/>
+          </p:cNvPicPr>
+          <p:nvPr/>
+        </p:nvPicPr>
+        <p:blipFill rotWithShape="1">
+          <a:blip r:embed="rId2">
+            <a:extLst>
+              <a:ext uri="{28A0092B-C50C-407E-A947-70E740481C1C}">
+                <a14:useLocalDpi xmlns:a14="http://schemas.microsoft.com/office/drawing/2010/main" val="0"/>
+              </a:ext>
+            </a:extLst>
+          </a:blip>
+          <a:srcRect l="21931" t="46089" r="76905" b="50794"/>
+          <a:stretch/>
+        </p:blipFill>
+        <p:spPr>
+          <a:xfrm rot="18570425">
+            <a:off x="2597219" y="5374395"/>
+            <a:ext cx="228339" cy="331744"/>
+          </a:xfrm>
+          <a:prstGeom prst="rect">
+            <a:avLst/>
+          </a:prstGeom>
+        </p:spPr>
+      </p:pic>
+      <p:pic>
+        <p:nvPicPr>
+          <p:cNvPr id="42" name="Picture 41">
+            <a:extLst>
+              <a:ext uri="{FF2B5EF4-FFF2-40B4-BE49-F238E27FC236}">
+                <a16:creationId xmlns:a16="http://schemas.microsoft.com/office/drawing/2014/main" id="{A1773C9F-A5A4-B044-9E3F-E65C4D29E274}"/>
+              </a:ext>
+            </a:extLst>
+          </p:cNvPr>
+          <p:cNvPicPr>
+            <a:picLocks noChangeAspect="1"/>
+          </p:cNvPicPr>
+          <p:nvPr/>
+        </p:nvPicPr>
+        <p:blipFill rotWithShape="1">
+          <a:blip r:embed="rId2">
+            <a:extLst>
+              <a:ext uri="{28A0092B-C50C-407E-A947-70E740481C1C}">
+                <a14:useLocalDpi xmlns:a14="http://schemas.microsoft.com/office/drawing/2010/main" val="0"/>
+              </a:ext>
+            </a:extLst>
+          </a:blip>
+          <a:srcRect l="21931" t="46089" r="76905" b="50794"/>
+          <a:stretch/>
+        </p:blipFill>
+        <p:spPr>
+          <a:xfrm rot="16200000">
+            <a:off x="2521766" y="5473213"/>
+            <a:ext cx="228339" cy="331744"/>
+          </a:xfrm>
+          <a:prstGeom prst="rect">
+            <a:avLst/>
+          </a:prstGeom>
+        </p:spPr>
+      </p:pic>
+      <p:pic>
+        <p:nvPicPr>
+          <p:cNvPr id="43" name="Picture 42">
+            <a:extLst>
+              <a:ext uri="{FF2B5EF4-FFF2-40B4-BE49-F238E27FC236}">
+                <a16:creationId xmlns:a16="http://schemas.microsoft.com/office/drawing/2014/main" id="{4027F523-9D83-9A48-91EA-BA5CD5137C01}"/>
+              </a:ext>
+            </a:extLst>
+          </p:cNvPr>
+          <p:cNvPicPr>
+            <a:picLocks noChangeAspect="1"/>
+          </p:cNvPicPr>
+          <p:nvPr/>
+        </p:nvPicPr>
+        <p:blipFill rotWithShape="1">
+          <a:blip r:embed="rId2">
+            <a:extLst>
+              <a:ext uri="{28A0092B-C50C-407E-A947-70E740481C1C}">
+                <a14:useLocalDpi xmlns:a14="http://schemas.microsoft.com/office/drawing/2010/main" val="0"/>
+              </a:ext>
+            </a:extLst>
+          </a:blip>
+          <a:srcRect l="21931" t="46089" r="76905" b="50794"/>
+          <a:stretch/>
+        </p:blipFill>
+        <p:spPr>
+          <a:xfrm rot="16200000">
+            <a:off x="2683261" y="5694262"/>
+            <a:ext cx="228339" cy="331744"/>
+          </a:xfrm>
+          <a:prstGeom prst="rect">
+            <a:avLst/>
+          </a:prstGeom>
+        </p:spPr>
+      </p:pic>
+      <p:pic>
+        <p:nvPicPr>
+          <p:cNvPr id="44" name="Picture 43">
+            <a:extLst>
+              <a:ext uri="{FF2B5EF4-FFF2-40B4-BE49-F238E27FC236}">
+                <a16:creationId xmlns:a16="http://schemas.microsoft.com/office/drawing/2014/main" id="{43678C0A-CBD6-B346-8234-B02B7CCC6AC8}"/>
+              </a:ext>
+            </a:extLst>
+          </p:cNvPr>
+          <p:cNvPicPr>
+            <a:picLocks noChangeAspect="1"/>
+          </p:cNvPicPr>
+          <p:nvPr/>
+        </p:nvPicPr>
+        <p:blipFill rotWithShape="1">
+          <a:blip r:embed="rId2">
+            <a:extLst>
+              <a:ext uri="{28A0092B-C50C-407E-A947-70E740481C1C}">
+                <a14:useLocalDpi xmlns:a14="http://schemas.microsoft.com/office/drawing/2010/main" val="0"/>
+              </a:ext>
+            </a:extLst>
+          </a:blip>
+          <a:srcRect l="21931" t="46089" r="76905" b="50794"/>
+          <a:stretch/>
+        </p:blipFill>
+        <p:spPr>
+          <a:xfrm rot="16200000">
+            <a:off x="2190517" y="6082670"/>
+            <a:ext cx="1218915" cy="331744"/>
+          </a:xfrm>
+          <a:prstGeom prst="rect">
+            <a:avLst/>
+          </a:prstGeom>
+        </p:spPr>
+      </p:pic>
+      <p:pic>
+        <p:nvPicPr>
+          <p:cNvPr id="45" name="Picture 44">
+            <a:extLst>
+              <a:ext uri="{FF2B5EF4-FFF2-40B4-BE49-F238E27FC236}">
+                <a16:creationId xmlns:a16="http://schemas.microsoft.com/office/drawing/2014/main" id="{A95EECE6-D80D-9948-BE37-C06516561F9C}"/>
+              </a:ext>
+            </a:extLst>
+          </p:cNvPr>
+          <p:cNvPicPr>
+            <a:picLocks noChangeAspect="1"/>
+          </p:cNvPicPr>
+          <p:nvPr/>
+        </p:nvPicPr>
+        <p:blipFill rotWithShape="1">
+          <a:blip r:embed="rId2">
+            <a:extLst>
+              <a:ext uri="{28A0092B-C50C-407E-A947-70E740481C1C}">
+                <a14:useLocalDpi xmlns:a14="http://schemas.microsoft.com/office/drawing/2010/main" val="0"/>
+              </a:ext>
+            </a:extLst>
+          </a:blip>
+          <a:srcRect l="21931" t="46089" r="76905" b="50794"/>
+          <a:stretch/>
+        </p:blipFill>
+        <p:spPr>
+          <a:xfrm rot="16200000">
+            <a:off x="2886595" y="6156383"/>
+            <a:ext cx="299593" cy="331744"/>
+          </a:xfrm>
+          <a:prstGeom prst="rect">
+            <a:avLst/>
+          </a:prstGeom>
+        </p:spPr>
+      </p:pic>
+      <p:pic>
+        <p:nvPicPr>
+          <p:cNvPr id="5" name="Picture 4">
+            <a:extLst>
+              <a:ext uri="{FF2B5EF4-FFF2-40B4-BE49-F238E27FC236}">
+                <a16:creationId xmlns:a16="http://schemas.microsoft.com/office/drawing/2014/main" id="{D621493B-CECE-374D-BACF-DAC201E5C1F3}"/>
+              </a:ext>
+            </a:extLst>
+          </p:cNvPr>
+          <p:cNvPicPr>
+            <a:picLocks noChangeAspect="1"/>
+          </p:cNvPicPr>
+          <p:nvPr/>
+        </p:nvPicPr>
+        <p:blipFill rotWithShape="1">
+          <a:blip r:embed="rId2">
+            <a:extLst>
+              <a:ext uri="{28A0092B-C50C-407E-A947-70E740481C1C}">
+                <a14:useLocalDpi xmlns:a14="http://schemas.microsoft.com/office/drawing/2010/main" val="0"/>
+              </a:ext>
+            </a:extLst>
+          </a:blip>
+          <a:srcRect l="72425" t="90936" r="24823" b="4213"/>
+          <a:stretch/>
+        </p:blipFill>
+        <p:spPr>
+          <a:xfrm>
+            <a:off x="2606832" y="6157587"/>
+            <a:ext cx="596342" cy="390583"/>
+          </a:xfrm>
+          <a:prstGeom prst="rect">
+            <a:avLst/>
+          </a:prstGeom>
+        </p:spPr>
+      </p:pic>
+      <p:pic>
+        <p:nvPicPr>
+          <p:cNvPr id="47" name="Picture 46">
+            <a:extLst>
+              <a:ext uri="{FF2B5EF4-FFF2-40B4-BE49-F238E27FC236}">
+                <a16:creationId xmlns:a16="http://schemas.microsoft.com/office/drawing/2014/main" id="{6B0AF6F4-CDEC-CD49-A213-66F44920E4E5}"/>
+              </a:ext>
+            </a:extLst>
+          </p:cNvPr>
+          <p:cNvPicPr>
+            <a:picLocks noChangeAspect="1"/>
+          </p:cNvPicPr>
+          <p:nvPr/>
+        </p:nvPicPr>
+        <p:blipFill rotWithShape="1">
+          <a:blip r:embed="rId2">
+            <a:extLst>
+              <a:ext uri="{28A0092B-C50C-407E-A947-70E740481C1C}">
+                <a14:useLocalDpi xmlns:a14="http://schemas.microsoft.com/office/drawing/2010/main" val="0"/>
+              </a:ext>
+            </a:extLst>
+          </a:blip>
+          <a:srcRect l="72425" t="90936" r="24823" b="4213"/>
+          <a:stretch/>
+        </p:blipFill>
+        <p:spPr>
+          <a:xfrm>
+            <a:off x="2631082" y="6487023"/>
+            <a:ext cx="596342" cy="390583"/>
+          </a:xfrm>
+          <a:prstGeom prst="rect">
+            <a:avLst/>
+          </a:prstGeom>
+        </p:spPr>
+      </p:pic>
+      <p:pic>
+        <p:nvPicPr>
+          <p:cNvPr id="48" name="Picture 47">
+            <a:extLst>
+              <a:ext uri="{FF2B5EF4-FFF2-40B4-BE49-F238E27FC236}">
+                <a16:creationId xmlns:a16="http://schemas.microsoft.com/office/drawing/2014/main" id="{67E858D4-12CC-4249-9D1F-2676E813FA53}"/>
+              </a:ext>
+            </a:extLst>
+          </p:cNvPr>
+          <p:cNvPicPr>
+            <a:picLocks noChangeAspect="1"/>
+          </p:cNvPicPr>
+          <p:nvPr/>
+        </p:nvPicPr>
+        <p:blipFill rotWithShape="1">
+          <a:blip r:embed="rId2">
+            <a:extLst>
+              <a:ext uri="{28A0092B-C50C-407E-A947-70E740481C1C}">
+                <a14:useLocalDpi xmlns:a14="http://schemas.microsoft.com/office/drawing/2010/main" val="0"/>
+              </a:ext>
+            </a:extLst>
+          </a:blip>
+          <a:srcRect l="72425" t="90936" r="24823" b="4213"/>
+          <a:stretch/>
+        </p:blipFill>
+        <p:spPr>
+          <a:xfrm>
+            <a:off x="2952029" y="6182090"/>
+            <a:ext cx="596342" cy="390583"/>
+          </a:xfrm>
+          <a:prstGeom prst="rect">
+            <a:avLst/>
+          </a:prstGeom>
+        </p:spPr>
+      </p:pic>
+      <p:pic>
+        <p:nvPicPr>
+          <p:cNvPr id="49" name="Picture 48">
+            <a:extLst>
+              <a:ext uri="{FF2B5EF4-FFF2-40B4-BE49-F238E27FC236}">
+                <a16:creationId xmlns:a16="http://schemas.microsoft.com/office/drawing/2014/main" id="{898A964B-6189-DF4C-B893-8E64CE8E9F68}"/>
+              </a:ext>
+            </a:extLst>
+          </p:cNvPr>
+          <p:cNvPicPr>
+            <a:picLocks noChangeAspect="1"/>
+          </p:cNvPicPr>
+          <p:nvPr/>
+        </p:nvPicPr>
+        <p:blipFill rotWithShape="1">
+          <a:blip r:embed="rId2">
+            <a:extLst>
+              <a:ext uri="{28A0092B-C50C-407E-A947-70E740481C1C}">
+                <a14:useLocalDpi xmlns:a14="http://schemas.microsoft.com/office/drawing/2010/main" val="0"/>
+              </a:ext>
+            </a:extLst>
+          </a:blip>
+          <a:srcRect l="72425" t="90936" r="24823" b="4213"/>
+          <a:stretch/>
+        </p:blipFill>
+        <p:spPr>
+          <a:xfrm>
+            <a:off x="10406435" y="6334472"/>
+            <a:ext cx="596342" cy="390583"/>
+          </a:xfrm>
+          <a:prstGeom prst="rect">
+            <a:avLst/>
+          </a:prstGeom>
+        </p:spPr>
+      </p:pic>
+      <p:pic>
+        <p:nvPicPr>
+          <p:cNvPr id="50" name="Picture 49">
+            <a:extLst>
+              <a:ext uri="{FF2B5EF4-FFF2-40B4-BE49-F238E27FC236}">
+                <a16:creationId xmlns:a16="http://schemas.microsoft.com/office/drawing/2014/main" id="{BA4D69D1-742F-7048-8448-3A9D83B35B4A}"/>
+              </a:ext>
+            </a:extLst>
+          </p:cNvPr>
+          <p:cNvPicPr>
+            <a:picLocks noChangeAspect="1"/>
+          </p:cNvPicPr>
+          <p:nvPr/>
+        </p:nvPicPr>
+        <p:blipFill rotWithShape="1">
+          <a:blip r:embed="rId2">
+            <a:extLst>
+              <a:ext uri="{28A0092B-C50C-407E-A947-70E740481C1C}">
+                <a14:useLocalDpi xmlns:a14="http://schemas.microsoft.com/office/drawing/2010/main" val="0"/>
+              </a:ext>
+            </a:extLst>
+          </a:blip>
+          <a:srcRect l="21931" t="46089" r="76905" b="50794"/>
+          <a:stretch/>
+        </p:blipFill>
+        <p:spPr>
+          <a:xfrm>
+            <a:off x="2732236" y="2395192"/>
+            <a:ext cx="244315" cy="468501"/>
+          </a:xfrm>
+          <a:prstGeom prst="rect">
+            <a:avLst/>
+          </a:prstGeom>
+        </p:spPr>
+      </p:pic>
+      <p:pic>
+        <p:nvPicPr>
+          <p:cNvPr id="52" name="Picture 51">
+            <a:extLst>
+              <a:ext uri="{FF2B5EF4-FFF2-40B4-BE49-F238E27FC236}">
+                <a16:creationId xmlns:a16="http://schemas.microsoft.com/office/drawing/2014/main" id="{88BE0C2B-508B-B54B-9275-91057A2A9CA6}"/>
+              </a:ext>
+            </a:extLst>
+          </p:cNvPr>
+          <p:cNvPicPr>
+            <a:picLocks noChangeAspect="1"/>
+          </p:cNvPicPr>
+          <p:nvPr/>
+        </p:nvPicPr>
+        <p:blipFill rotWithShape="1">
+          <a:blip r:embed="rId2">
+            <a:extLst>
+              <a:ext uri="{28A0092B-C50C-407E-A947-70E740481C1C}">
+                <a14:useLocalDpi xmlns:a14="http://schemas.microsoft.com/office/drawing/2010/main" val="0"/>
+              </a:ext>
+            </a:extLst>
+          </a:blip>
+          <a:srcRect l="19160" t="27612" r="77641" b="68698"/>
+          <a:stretch/>
+        </p:blipFill>
+        <p:spPr>
+          <a:xfrm>
+            <a:off x="2525675" y="2131123"/>
+            <a:ext cx="358897" cy="253082"/>
+          </a:xfrm>
+          <a:prstGeom prst="rect">
+            <a:avLst/>
+          </a:prstGeom>
+        </p:spPr>
+      </p:pic>
+      <p:pic>
+        <p:nvPicPr>
+          <p:cNvPr id="53" name="Picture 52">
+            <a:extLst>
+              <a:ext uri="{FF2B5EF4-FFF2-40B4-BE49-F238E27FC236}">
+                <a16:creationId xmlns:a16="http://schemas.microsoft.com/office/drawing/2014/main" id="{CD57A5BE-9694-3546-A21A-1115D90C7BF9}"/>
+              </a:ext>
+            </a:extLst>
+          </p:cNvPr>
+          <p:cNvPicPr>
+            <a:picLocks noChangeAspect="1"/>
+          </p:cNvPicPr>
+          <p:nvPr/>
+        </p:nvPicPr>
+        <p:blipFill rotWithShape="1">
+          <a:blip r:embed="rId2">
+            <a:extLst>
+              <a:ext uri="{28A0092B-C50C-407E-A947-70E740481C1C}">
+                <a14:useLocalDpi xmlns:a14="http://schemas.microsoft.com/office/drawing/2010/main" val="0"/>
+              </a:ext>
+            </a:extLst>
+          </a:blip>
+          <a:srcRect l="19160" t="27612" r="77641" b="68698"/>
+          <a:stretch/>
+        </p:blipFill>
+        <p:spPr>
+          <a:xfrm>
+            <a:off x="2595256" y="2368604"/>
+            <a:ext cx="358897" cy="253082"/>
+          </a:xfrm>
+          <a:prstGeom prst="rect">
+            <a:avLst/>
+          </a:prstGeom>
+        </p:spPr>
+      </p:pic>
+      <p:pic>
+        <p:nvPicPr>
+          <p:cNvPr id="54" name="Picture 53">
+            <a:extLst>
+              <a:ext uri="{FF2B5EF4-FFF2-40B4-BE49-F238E27FC236}">
+                <a16:creationId xmlns:a16="http://schemas.microsoft.com/office/drawing/2014/main" id="{ED0FAE91-35F6-6F45-98F2-0B59E35FEA8F}"/>
+              </a:ext>
+            </a:extLst>
+          </p:cNvPr>
+          <p:cNvPicPr>
+            <a:picLocks noChangeAspect="1"/>
+          </p:cNvPicPr>
+          <p:nvPr/>
+        </p:nvPicPr>
+        <p:blipFill rotWithShape="1">
+          <a:blip r:embed="rId2">
+            <a:extLst>
+              <a:ext uri="{28A0092B-C50C-407E-A947-70E740481C1C}">
+                <a14:useLocalDpi xmlns:a14="http://schemas.microsoft.com/office/drawing/2010/main" val="0"/>
+              </a:ext>
+            </a:extLst>
+          </a:blip>
+          <a:srcRect l="19160" t="27612" r="77641" b="68698"/>
+          <a:stretch/>
+        </p:blipFill>
+        <p:spPr>
+          <a:xfrm>
+            <a:off x="2691070" y="2200011"/>
+            <a:ext cx="358897" cy="253082"/>
+          </a:xfrm>
+          <a:prstGeom prst="rect">
+            <a:avLst/>
+          </a:prstGeom>
+        </p:spPr>
+      </p:pic>
+      <p:pic>
+        <p:nvPicPr>
+          <p:cNvPr id="55" name="Picture 54">
+            <a:extLst>
+              <a:ext uri="{FF2B5EF4-FFF2-40B4-BE49-F238E27FC236}">
+                <a16:creationId xmlns:a16="http://schemas.microsoft.com/office/drawing/2014/main" id="{79236DE8-E386-6E4B-BD46-59C199DDA56D}"/>
+              </a:ext>
+            </a:extLst>
+          </p:cNvPr>
+          <p:cNvPicPr>
+            <a:picLocks noChangeAspect="1"/>
+          </p:cNvPicPr>
+          <p:nvPr/>
+        </p:nvPicPr>
+        <p:blipFill rotWithShape="1">
+          <a:blip r:embed="rId2">
+            <a:extLst>
+              <a:ext uri="{28A0092B-C50C-407E-A947-70E740481C1C}">
+                <a14:useLocalDpi xmlns:a14="http://schemas.microsoft.com/office/drawing/2010/main" val="0"/>
+              </a:ext>
+            </a:extLst>
+          </a:blip>
+          <a:srcRect l="19160" t="27612" r="77641" b="68698"/>
+          <a:stretch/>
+        </p:blipFill>
+        <p:spPr>
+          <a:xfrm>
+            <a:off x="2508427" y="2367345"/>
+            <a:ext cx="181666" cy="128105"/>
+          </a:xfrm>
+          <a:prstGeom prst="rect">
+            <a:avLst/>
+          </a:prstGeom>
+        </p:spPr>
+      </p:pic>
+      <p:pic>
+        <p:nvPicPr>
+          <p:cNvPr id="56" name="Picture 55">
+            <a:extLst>
+              <a:ext uri="{FF2B5EF4-FFF2-40B4-BE49-F238E27FC236}">
+                <a16:creationId xmlns:a16="http://schemas.microsoft.com/office/drawing/2014/main" id="{36B1F609-493B-9948-B0AD-8C386B12C11F}"/>
+              </a:ext>
+            </a:extLst>
+          </p:cNvPr>
+          <p:cNvPicPr>
+            <a:picLocks noChangeAspect="1"/>
+          </p:cNvPicPr>
+          <p:nvPr/>
+        </p:nvPicPr>
+        <p:blipFill rotWithShape="1">
+          <a:blip r:embed="rId2">
+            <a:extLst>
+              <a:ext uri="{28A0092B-C50C-407E-A947-70E740481C1C}">
+                <a14:useLocalDpi xmlns:a14="http://schemas.microsoft.com/office/drawing/2010/main" val="0"/>
+              </a:ext>
+            </a:extLst>
+          </a:blip>
+          <a:srcRect l="19160" t="27612" r="77641" b="68698"/>
+          <a:stretch/>
+        </p:blipFill>
+        <p:spPr>
+          <a:xfrm>
+            <a:off x="2581209" y="1058008"/>
+            <a:ext cx="358897" cy="253082"/>
+          </a:xfrm>
+          <a:prstGeom prst="rect">
+            <a:avLst/>
+          </a:prstGeom>
+        </p:spPr>
+      </p:pic>
+      <p:pic>
+        <p:nvPicPr>
+          <p:cNvPr id="57" name="Picture 56">
+            <a:extLst>
+              <a:ext uri="{FF2B5EF4-FFF2-40B4-BE49-F238E27FC236}">
+                <a16:creationId xmlns:a16="http://schemas.microsoft.com/office/drawing/2014/main" id="{8B05BF28-02F9-804B-80E8-CC54BC3E28FC}"/>
+              </a:ext>
+            </a:extLst>
+          </p:cNvPr>
+          <p:cNvPicPr>
+            <a:picLocks noChangeAspect="1"/>
+          </p:cNvPicPr>
+          <p:nvPr/>
+        </p:nvPicPr>
+        <p:blipFill rotWithShape="1">
+          <a:blip r:embed="rId2">
+            <a:extLst>
+              <a:ext uri="{28A0092B-C50C-407E-A947-70E740481C1C}">
+                <a14:useLocalDpi xmlns:a14="http://schemas.microsoft.com/office/drawing/2010/main" val="0"/>
+              </a:ext>
+            </a:extLst>
+          </a:blip>
+          <a:srcRect l="19160" t="27612" r="77641" b="68698"/>
+          <a:stretch/>
+        </p:blipFill>
+        <p:spPr>
+          <a:xfrm>
+            <a:off x="2558703" y="1222540"/>
+            <a:ext cx="358897" cy="253082"/>
+          </a:xfrm>
+          <a:prstGeom prst="rect">
+            <a:avLst/>
+          </a:prstGeom>
+        </p:spPr>
+      </p:pic>
+      <p:pic>
+        <p:nvPicPr>
+          <p:cNvPr id="58" name="Picture 57">
+            <a:extLst>
+              <a:ext uri="{FF2B5EF4-FFF2-40B4-BE49-F238E27FC236}">
+                <a16:creationId xmlns:a16="http://schemas.microsoft.com/office/drawing/2014/main" id="{8E14F48B-F106-8F43-BEB9-DE17AB191DC4}"/>
+              </a:ext>
+            </a:extLst>
+          </p:cNvPr>
+          <p:cNvPicPr>
+            <a:picLocks noChangeAspect="1"/>
+          </p:cNvPicPr>
+          <p:nvPr/>
+        </p:nvPicPr>
+        <p:blipFill rotWithShape="1">
+          <a:blip r:embed="rId2">
+            <a:extLst>
+              <a:ext uri="{28A0092B-C50C-407E-A947-70E740481C1C}">
+                <a14:useLocalDpi xmlns:a14="http://schemas.microsoft.com/office/drawing/2010/main" val="0"/>
+              </a:ext>
+            </a:extLst>
+          </a:blip>
+          <a:srcRect l="21931" t="46089" r="76905" b="50794"/>
+          <a:stretch/>
+        </p:blipFill>
+        <p:spPr>
+          <a:xfrm>
+            <a:off x="3123715" y="1259816"/>
+            <a:ext cx="222940" cy="427512"/>
+          </a:xfrm>
+          <a:prstGeom prst="rect">
+            <a:avLst/>
+          </a:prstGeom>
+        </p:spPr>
+      </p:pic>
+      <p:pic>
+        <p:nvPicPr>
+          <p:cNvPr id="60" name="Picture 59">
+            <a:extLst>
+              <a:ext uri="{FF2B5EF4-FFF2-40B4-BE49-F238E27FC236}">
+                <a16:creationId xmlns:a16="http://schemas.microsoft.com/office/drawing/2014/main" id="{2289A36A-29C2-0348-9F88-513516D55A06}"/>
+              </a:ext>
+            </a:extLst>
+          </p:cNvPr>
+          <p:cNvPicPr>
+            <a:picLocks noChangeAspect="1"/>
+          </p:cNvPicPr>
+          <p:nvPr/>
+        </p:nvPicPr>
+        <p:blipFill rotWithShape="1">
+          <a:blip r:embed="rId2">
+            <a:extLst>
+              <a:ext uri="{28A0092B-C50C-407E-A947-70E740481C1C}">
+                <a14:useLocalDpi xmlns:a14="http://schemas.microsoft.com/office/drawing/2010/main" val="0"/>
+              </a:ext>
+            </a:extLst>
+          </a:blip>
+          <a:srcRect l="21931" t="46089" r="76905" b="50794"/>
+          <a:stretch/>
+        </p:blipFill>
+        <p:spPr>
+          <a:xfrm>
+            <a:off x="3099322" y="3480430"/>
+            <a:ext cx="222940" cy="427512"/>
+          </a:xfrm>
+          <a:prstGeom prst="rect">
+            <a:avLst/>
+          </a:prstGeom>
+        </p:spPr>
+      </p:pic>
+      <p:pic>
+        <p:nvPicPr>
+          <p:cNvPr id="61" name="Picture 60">
+            <a:extLst>
+              <a:ext uri="{FF2B5EF4-FFF2-40B4-BE49-F238E27FC236}">
+                <a16:creationId xmlns:a16="http://schemas.microsoft.com/office/drawing/2014/main" id="{666F7D5B-0AB4-7147-9B50-D97C798305EA}"/>
+              </a:ext>
+            </a:extLst>
+          </p:cNvPr>
+          <p:cNvPicPr>
+            <a:picLocks noChangeAspect="1"/>
+          </p:cNvPicPr>
+          <p:nvPr/>
+        </p:nvPicPr>
+        <p:blipFill rotWithShape="1">
+          <a:blip r:embed="rId2">
+            <a:extLst>
+              <a:ext uri="{28A0092B-C50C-407E-A947-70E740481C1C}">
+                <a14:useLocalDpi xmlns:a14="http://schemas.microsoft.com/office/drawing/2010/main" val="0"/>
+              </a:ext>
+            </a:extLst>
+          </a:blip>
+          <a:srcRect l="21931" t="46089" r="76905" b="50794"/>
+          <a:stretch/>
+        </p:blipFill>
+        <p:spPr>
+          <a:xfrm>
+            <a:off x="3123715" y="4532240"/>
+            <a:ext cx="222940" cy="427512"/>
+          </a:xfrm>
+          <a:prstGeom prst="rect">
+            <a:avLst/>
+          </a:prstGeom>
+        </p:spPr>
+      </p:pic>
+      <p:pic>
+        <p:nvPicPr>
+          <p:cNvPr id="62" name="Picture 61">
+            <a:extLst>
+              <a:ext uri="{FF2B5EF4-FFF2-40B4-BE49-F238E27FC236}">
+                <a16:creationId xmlns:a16="http://schemas.microsoft.com/office/drawing/2014/main" id="{1E9B4B64-E3A6-C64D-8565-A39B45D29CDB}"/>
+              </a:ext>
+            </a:extLst>
+          </p:cNvPr>
+          <p:cNvPicPr>
+            <a:picLocks noChangeAspect="1"/>
+          </p:cNvPicPr>
+          <p:nvPr/>
+        </p:nvPicPr>
+        <p:blipFill rotWithShape="1">
+          <a:blip r:embed="rId2">
+            <a:extLst>
+              <a:ext uri="{28A0092B-C50C-407E-A947-70E740481C1C}">
+                <a14:useLocalDpi xmlns:a14="http://schemas.microsoft.com/office/drawing/2010/main" val="0"/>
+              </a:ext>
+            </a:extLst>
+          </a:blip>
+          <a:srcRect l="21931" t="46089" r="76905" b="50794"/>
+          <a:stretch/>
+        </p:blipFill>
+        <p:spPr>
+          <a:xfrm>
+            <a:off x="2965884" y="4547211"/>
+            <a:ext cx="222940" cy="427512"/>
+          </a:xfrm>
+          <a:prstGeom prst="rect">
+            <a:avLst/>
+          </a:prstGeom>
+        </p:spPr>
+      </p:pic>
+      <p:pic>
+        <p:nvPicPr>
+          <p:cNvPr id="63" name="Picture 62">
+            <a:extLst>
+              <a:ext uri="{FF2B5EF4-FFF2-40B4-BE49-F238E27FC236}">
+                <a16:creationId xmlns:a16="http://schemas.microsoft.com/office/drawing/2014/main" id="{1175B269-3F88-A742-AF66-EC5136099D83}"/>
+              </a:ext>
+            </a:extLst>
+          </p:cNvPr>
+          <p:cNvPicPr>
+            <a:picLocks noChangeAspect="1"/>
+          </p:cNvPicPr>
+          <p:nvPr/>
+        </p:nvPicPr>
+        <p:blipFill rotWithShape="1">
+          <a:blip r:embed="rId2">
+            <a:extLst>
+              <a:ext uri="{28A0092B-C50C-407E-A947-70E740481C1C}">
+                <a14:useLocalDpi xmlns:a14="http://schemas.microsoft.com/office/drawing/2010/main" val="0"/>
+              </a:ext>
+            </a:extLst>
+          </a:blip>
+          <a:srcRect l="21931" t="46089" r="76905" b="50794"/>
+          <a:stretch/>
+        </p:blipFill>
+        <p:spPr>
+          <a:xfrm>
+            <a:off x="2933563" y="5663801"/>
+            <a:ext cx="222940" cy="427512"/>
+          </a:xfrm>
+          <a:prstGeom prst="rect">
+            <a:avLst/>
+          </a:prstGeom>
+        </p:spPr>
+      </p:pic>
+      <p:pic>
+        <p:nvPicPr>
+          <p:cNvPr id="64" name="Picture 63">
+            <a:extLst>
+              <a:ext uri="{FF2B5EF4-FFF2-40B4-BE49-F238E27FC236}">
+                <a16:creationId xmlns:a16="http://schemas.microsoft.com/office/drawing/2014/main" id="{214FC65A-16BB-694D-9B51-88D925DB9448}"/>
+              </a:ext>
+            </a:extLst>
+          </p:cNvPr>
+          <p:cNvPicPr>
+            <a:picLocks noChangeAspect="1"/>
+          </p:cNvPicPr>
+          <p:nvPr/>
+        </p:nvPicPr>
+        <p:blipFill rotWithShape="1">
+          <a:blip r:embed="rId2">
+            <a:extLst>
+              <a:ext uri="{28A0092B-C50C-407E-A947-70E740481C1C}">
+                <a14:useLocalDpi xmlns:a14="http://schemas.microsoft.com/office/drawing/2010/main" val="0"/>
+              </a:ext>
+            </a:extLst>
+          </a:blip>
+          <a:srcRect l="21931" t="46089" r="76905" b="50794"/>
+          <a:stretch/>
+        </p:blipFill>
+        <p:spPr>
+          <a:xfrm>
+            <a:off x="3121585" y="5650391"/>
+            <a:ext cx="222940" cy="427512"/>
+          </a:xfrm>
+          <a:prstGeom prst="rect">
+            <a:avLst/>
+          </a:prstGeom>
+        </p:spPr>
+      </p:pic>
+      <p:pic>
+        <p:nvPicPr>
+          <p:cNvPr id="65" name="Picture 64">
+            <a:extLst>
+              <a:ext uri="{FF2B5EF4-FFF2-40B4-BE49-F238E27FC236}">
+                <a16:creationId xmlns:a16="http://schemas.microsoft.com/office/drawing/2014/main" id="{97F3FBBD-2839-664E-8ECD-19DB996C1F61}"/>
+              </a:ext>
+            </a:extLst>
+          </p:cNvPr>
+          <p:cNvPicPr>
+            <a:picLocks noChangeAspect="1"/>
+          </p:cNvPicPr>
+          <p:nvPr/>
+        </p:nvPicPr>
+        <p:blipFill rotWithShape="1">
+          <a:blip r:embed="rId2">
+            <a:extLst>
+              <a:ext uri="{28A0092B-C50C-407E-A947-70E740481C1C}">
+                <a14:useLocalDpi xmlns:a14="http://schemas.microsoft.com/office/drawing/2010/main" val="0"/>
+              </a:ext>
+            </a:extLst>
+          </a:blip>
+          <a:srcRect l="21931" t="46089" r="76905" b="50794"/>
+          <a:stretch/>
+        </p:blipFill>
+        <p:spPr>
+          <a:xfrm>
+            <a:off x="3026990" y="5788389"/>
+            <a:ext cx="222940" cy="427512"/>
+          </a:xfrm>
+          <a:prstGeom prst="rect">
+            <a:avLst/>
+          </a:prstGeom>
+        </p:spPr>
+      </p:pic>
+      <p:pic>
+        <p:nvPicPr>
+          <p:cNvPr id="66" name="Picture 65">
+            <a:extLst>
+              <a:ext uri="{FF2B5EF4-FFF2-40B4-BE49-F238E27FC236}">
+                <a16:creationId xmlns:a16="http://schemas.microsoft.com/office/drawing/2014/main" id="{5F47E5BF-7C7B-3E4C-B62F-56845BEFF61F}"/>
+              </a:ext>
+            </a:extLst>
+          </p:cNvPr>
+          <p:cNvPicPr>
+            <a:picLocks noChangeAspect="1"/>
+          </p:cNvPicPr>
+          <p:nvPr/>
+        </p:nvPicPr>
+        <p:blipFill rotWithShape="1">
+          <a:blip r:embed="rId2">
+            <a:extLst>
+              <a:ext uri="{28A0092B-C50C-407E-A947-70E740481C1C}">
+                <a14:useLocalDpi xmlns:a14="http://schemas.microsoft.com/office/drawing/2010/main" val="0"/>
+              </a:ext>
+            </a:extLst>
+          </a:blip>
+          <a:srcRect l="23869" t="25069" r="74190" b="65835"/>
+          <a:stretch/>
+        </p:blipFill>
+        <p:spPr>
+          <a:xfrm>
+            <a:off x="3163434" y="2239878"/>
+            <a:ext cx="217704" cy="623815"/>
+          </a:xfrm>
+          <a:prstGeom prst="rect">
+            <a:avLst/>
+          </a:prstGeom>
+        </p:spPr>
+      </p:pic>
+      <p:pic>
+        <p:nvPicPr>
+          <p:cNvPr id="59" name="Picture 58">
+            <a:extLst>
+              <a:ext uri="{FF2B5EF4-FFF2-40B4-BE49-F238E27FC236}">
+                <a16:creationId xmlns:a16="http://schemas.microsoft.com/office/drawing/2014/main" id="{9098F8EE-A48F-1143-BD6E-087EADBD4C31}"/>
+              </a:ext>
+            </a:extLst>
+          </p:cNvPr>
+          <p:cNvPicPr>
+            <a:picLocks noChangeAspect="1"/>
+          </p:cNvPicPr>
+          <p:nvPr/>
+        </p:nvPicPr>
+        <p:blipFill rotWithShape="1">
+          <a:blip r:embed="rId2">
+            <a:extLst>
+              <a:ext uri="{28A0092B-C50C-407E-A947-70E740481C1C}">
+                <a14:useLocalDpi xmlns:a14="http://schemas.microsoft.com/office/drawing/2010/main" val="0"/>
+              </a:ext>
+            </a:extLst>
+          </a:blip>
+          <a:srcRect l="21931" t="46089" r="76905" b="50794"/>
+          <a:stretch/>
+        </p:blipFill>
+        <p:spPr>
+          <a:xfrm>
+            <a:off x="2979324" y="2488821"/>
+            <a:ext cx="222940" cy="427512"/>
+          </a:xfrm>
+          <a:prstGeom prst="rect">
+            <a:avLst/>
+          </a:prstGeom>
+        </p:spPr>
+      </p:pic>
+      <p:pic>
+        <p:nvPicPr>
+          <p:cNvPr id="67" name="Picture 66">
+            <a:extLst>
+              <a:ext uri="{FF2B5EF4-FFF2-40B4-BE49-F238E27FC236}">
+                <a16:creationId xmlns:a16="http://schemas.microsoft.com/office/drawing/2014/main" id="{DB5ECA84-3D8D-FF43-9AB0-5D5F4ACA9ABD}"/>
+              </a:ext>
+            </a:extLst>
+          </p:cNvPr>
+          <p:cNvPicPr>
+            <a:picLocks noChangeAspect="1"/>
+          </p:cNvPicPr>
+          <p:nvPr/>
+        </p:nvPicPr>
+        <p:blipFill rotWithShape="1">
+          <a:blip r:embed="rId2">
+            <a:extLst>
+              <a:ext uri="{28A0092B-C50C-407E-A947-70E740481C1C}">
+                <a14:useLocalDpi xmlns:a14="http://schemas.microsoft.com/office/drawing/2010/main" val="0"/>
+              </a:ext>
+            </a:extLst>
+          </a:blip>
+          <a:srcRect l="23869" t="25069" r="74190" b="65835"/>
+          <a:stretch/>
+        </p:blipFill>
+        <p:spPr>
+          <a:xfrm>
+            <a:off x="3163434" y="3425446"/>
+            <a:ext cx="217704" cy="623815"/>
+          </a:xfrm>
+          <a:prstGeom prst="rect">
+            <a:avLst/>
+          </a:prstGeom>
+        </p:spPr>
+      </p:pic>
+      <p:pic>
+        <p:nvPicPr>
+          <p:cNvPr id="68" name="Picture 67">
+            <a:extLst>
+              <a:ext uri="{FF2B5EF4-FFF2-40B4-BE49-F238E27FC236}">
+                <a16:creationId xmlns:a16="http://schemas.microsoft.com/office/drawing/2014/main" id="{AC2E413D-C1C6-C34F-B5E9-C378351BCC84}"/>
+              </a:ext>
+            </a:extLst>
+          </p:cNvPr>
+          <p:cNvPicPr>
+            <a:picLocks noChangeAspect="1"/>
+          </p:cNvPicPr>
+          <p:nvPr/>
+        </p:nvPicPr>
+        <p:blipFill rotWithShape="1">
+          <a:blip r:embed="rId2">
+            <a:extLst>
+              <a:ext uri="{28A0092B-C50C-407E-A947-70E740481C1C}">
+                <a14:useLocalDpi xmlns:a14="http://schemas.microsoft.com/office/drawing/2010/main" val="0"/>
+              </a:ext>
+            </a:extLst>
+          </a:blip>
+          <a:srcRect l="23869" t="25069" r="74190" b="65835"/>
+          <a:stretch/>
+        </p:blipFill>
+        <p:spPr>
+          <a:xfrm>
+            <a:off x="3054582" y="4409602"/>
+            <a:ext cx="217704" cy="623815"/>
+          </a:xfrm>
+          <a:prstGeom prst="rect">
+            <a:avLst/>
+          </a:prstGeom>
+        </p:spPr>
+      </p:pic>
+      <p:pic>
+        <p:nvPicPr>
+          <p:cNvPr id="69" name="Picture 68">
+            <a:extLst>
+              <a:ext uri="{FF2B5EF4-FFF2-40B4-BE49-F238E27FC236}">
+                <a16:creationId xmlns:a16="http://schemas.microsoft.com/office/drawing/2014/main" id="{0890DD44-9470-CF4A-9494-1AAF052BA801}"/>
+              </a:ext>
+            </a:extLst>
+          </p:cNvPr>
+          <p:cNvPicPr>
+            <a:picLocks noChangeAspect="1"/>
+          </p:cNvPicPr>
+          <p:nvPr/>
+        </p:nvPicPr>
+        <p:blipFill rotWithShape="1">
+          <a:blip r:embed="rId2">
+            <a:extLst>
+              <a:ext uri="{28A0092B-C50C-407E-A947-70E740481C1C}">
+                <a14:useLocalDpi xmlns:a14="http://schemas.microsoft.com/office/drawing/2010/main" val="0"/>
+              </a:ext>
+            </a:extLst>
+          </a:blip>
+          <a:srcRect l="25490" t="25069" r="73766" b="65835"/>
+          <a:stretch/>
+        </p:blipFill>
+        <p:spPr>
+          <a:xfrm>
+            <a:off x="3263193" y="4380457"/>
+            <a:ext cx="83462" cy="623815"/>
+          </a:xfrm>
+          <a:prstGeom prst="rect">
+            <a:avLst/>
+          </a:prstGeom>
+        </p:spPr>
+      </p:pic>
+      <p:pic>
+        <p:nvPicPr>
+          <p:cNvPr id="70" name="Picture 69">
+            <a:extLst>
+              <a:ext uri="{FF2B5EF4-FFF2-40B4-BE49-F238E27FC236}">
+                <a16:creationId xmlns:a16="http://schemas.microsoft.com/office/drawing/2014/main" id="{7A78E549-FC26-474F-9B2B-672005F75303}"/>
+              </a:ext>
+            </a:extLst>
+          </p:cNvPr>
+          <p:cNvPicPr>
+            <a:picLocks noChangeAspect="1"/>
+          </p:cNvPicPr>
+          <p:nvPr/>
+        </p:nvPicPr>
+        <p:blipFill rotWithShape="1">
+          <a:blip r:embed="rId2">
+            <a:extLst>
+              <a:ext uri="{28A0092B-C50C-407E-A947-70E740481C1C}">
+                <a14:useLocalDpi xmlns:a14="http://schemas.microsoft.com/office/drawing/2010/main" val="0"/>
+              </a:ext>
+            </a:extLst>
+          </a:blip>
+          <a:srcRect l="23869" t="25069" r="74190" b="65835"/>
+          <a:stretch/>
+        </p:blipFill>
+        <p:spPr>
+          <a:xfrm>
+            <a:off x="3159751" y="1149672"/>
+            <a:ext cx="217704" cy="623815"/>
+          </a:xfrm>
+          <a:prstGeom prst="rect">
+            <a:avLst/>
+          </a:prstGeom>
+        </p:spPr>
+      </p:pic>
+      <p:pic>
+        <p:nvPicPr>
+          <p:cNvPr id="71" name="Picture 70">
+            <a:extLst>
+              <a:ext uri="{FF2B5EF4-FFF2-40B4-BE49-F238E27FC236}">
+                <a16:creationId xmlns:a16="http://schemas.microsoft.com/office/drawing/2014/main" id="{CFA88C16-D1CF-DC4C-8E73-6796140AFF0F}"/>
+              </a:ext>
+            </a:extLst>
+          </p:cNvPr>
+          <p:cNvPicPr>
+            <a:picLocks noChangeAspect="1"/>
+          </p:cNvPicPr>
+          <p:nvPr/>
+        </p:nvPicPr>
+        <p:blipFill rotWithShape="1">
+          <a:blip r:embed="rId2">
+            <a:extLst>
+              <a:ext uri="{28A0092B-C50C-407E-A947-70E740481C1C}">
+                <a14:useLocalDpi xmlns:a14="http://schemas.microsoft.com/office/drawing/2010/main" val="0"/>
+              </a:ext>
+            </a:extLst>
+          </a:blip>
+          <a:srcRect l="23869" t="25069" r="74190" b="65835"/>
+          <a:stretch/>
+        </p:blipFill>
+        <p:spPr>
+          <a:xfrm>
+            <a:off x="3099847" y="5513410"/>
+            <a:ext cx="217704" cy="623815"/>
+          </a:xfrm>
+          <a:prstGeom prst="rect">
+            <a:avLst/>
+          </a:prstGeom>
+        </p:spPr>
+      </p:pic>
+      <p:pic>
+        <p:nvPicPr>
+          <p:cNvPr id="72" name="Picture 71">
+            <a:extLst>
+              <a:ext uri="{FF2B5EF4-FFF2-40B4-BE49-F238E27FC236}">
+                <a16:creationId xmlns:a16="http://schemas.microsoft.com/office/drawing/2014/main" id="{EE4D7C66-743F-6241-847D-E87EECB1E558}"/>
+              </a:ext>
+            </a:extLst>
+          </p:cNvPr>
+          <p:cNvPicPr>
+            <a:picLocks noChangeAspect="1"/>
+          </p:cNvPicPr>
+          <p:nvPr/>
+        </p:nvPicPr>
+        <p:blipFill rotWithShape="1">
+          <a:blip r:embed="rId2">
+            <a:extLst>
+              <a:ext uri="{28A0092B-C50C-407E-A947-70E740481C1C}">
+                <a14:useLocalDpi xmlns:a14="http://schemas.microsoft.com/office/drawing/2010/main" val="0"/>
+              </a:ext>
+            </a:extLst>
+          </a:blip>
+          <a:srcRect l="25490" t="25069" r="73766" b="65835"/>
+          <a:stretch/>
+        </p:blipFill>
+        <p:spPr>
+          <a:xfrm>
+            <a:off x="3285313" y="5506181"/>
+            <a:ext cx="83462" cy="623815"/>
+          </a:xfrm>
+          <a:prstGeom prst="rect">
+            <a:avLst/>
+          </a:prstGeom>
+        </p:spPr>
+      </p:pic>
+      <p:sp>
+        <p:nvSpPr>
+          <p:cNvPr id="73" name="TextBox 72">
+            <a:extLst>
+              <a:ext uri="{FF2B5EF4-FFF2-40B4-BE49-F238E27FC236}">
+                <a16:creationId xmlns:a16="http://schemas.microsoft.com/office/drawing/2014/main" id="{CEA3929D-408F-0E44-821F-E3544955ECB8}"/>
+              </a:ext>
+            </a:extLst>
+          </p:cNvPr>
+          <p:cNvSpPr txBox="1"/>
+          <p:nvPr/>
+        </p:nvSpPr>
+        <p:spPr>
+          <a:xfrm>
+            <a:off x="8918369" y="6482932"/>
+            <a:ext cx="3104656" cy="307777"/>
+          </a:xfrm>
+          <a:prstGeom prst="rect">
+            <a:avLst/>
+          </a:prstGeom>
+          <a:noFill/>
+        </p:spPr>
+        <p:txBody>
+          <a:bodyPr wrap="square" rtlCol="0">
+            <a:spAutoFit/>
+          </a:bodyPr>
+          <a:lstStyle/>
+          <a:p>
+            <a:pPr algn="r"/>
+            <a:r>
+              <a:rPr lang="en-US" sz="1400" dirty="0"/>
+              <a:t>Made by – </a:t>
+            </a:r>
+            <a:r>
+              <a:rPr lang="en-US" sz="1400" b="1" dirty="0"/>
+              <a:t>Himanshu and Udit</a:t>
+            </a:r>
+          </a:p>
+        </p:txBody>
+      </p:sp>
+    </p:spTree>
+    <p:extLst>
+      <p:ext uri="{BB962C8B-B14F-4D97-AF65-F5344CB8AC3E}">
+        <p14:creationId xmlns:p14="http://schemas.microsoft.com/office/powerpoint/2010/main" val="2492256936"/>
+      </p:ext>
+    </p:extLst>
+  </p:cSld>
+  <p:clrMapOvr>
+    <a:masterClrMapping/>
+  </p:clrMapOvr>
+</p:sld>
+</file>
+
+<file path=ppt/slides/slide3.xml><?xml version="1.0" encoding="utf-8"?>
+<p:sld xmlns:a="http://schemas.openxmlformats.org/drawingml/2006/main" xmlns:r="http://schemas.openxmlformats.org/officeDocument/2006/relationships" xmlns:p="http://schemas.openxmlformats.org/presentationml/2006/main">
+  <p:cSld>
+    <p:spTree>
+      <p:nvGrpSpPr>
+        <p:cNvPr id="1" name=""/>
+        <p:cNvGrpSpPr/>
+        <p:nvPr/>
+      </p:nvGrpSpPr>
+      <p:grpSpPr>
+        <a:xfrm>
+          <a:off x="0" y="0"/>
+          <a:ext cx="0" cy="0"/>
+          <a:chOff x="0" y="0"/>
+          <a:chExt cx="0" cy="0"/>
+        </a:xfrm>
+      </p:grpSpPr>
+      <p:pic>
+        <p:nvPicPr>
+          <p:cNvPr id="3" name="Picture 2">
+            <a:extLst>
+              <a:ext uri="{FF2B5EF4-FFF2-40B4-BE49-F238E27FC236}">
                 <a16:creationId xmlns:a16="http://schemas.microsoft.com/office/drawing/2014/main" id="{1F5D6267-5774-7A41-9D7B-281F267E2CE0}"/>
               </a:ext>
             </a:extLst>
@@ -3581,7 +5962,7 @@
 </p:sld>
 </file>
 
-<file path=ppt/slides/slide3.xml><?xml version="1.0" encoding="utf-8"?>
+<file path=ppt/slides/slide4.xml><?xml version="1.0" encoding="utf-8"?>
 <p:sld xmlns:a="http://schemas.openxmlformats.org/drawingml/2006/main" xmlns:r="http://schemas.openxmlformats.org/officeDocument/2006/relationships" xmlns:p="http://schemas.openxmlformats.org/presentationml/2006/main">
   <p:cSld>
     <p:spTree>

--- a/game/out/production/untitled1/main/resources/Presentation1.pptx
+++ b/game/out/production/untitled1/main/resources/Presentation1.pptx
@@ -7,8 +7,9 @@
   <p:sldIdLst>
     <p:sldId id="256" r:id="rId2"/>
     <p:sldId id="261" r:id="rId3"/>
-    <p:sldId id="259" r:id="rId4"/>
-    <p:sldId id="257" r:id="rId5"/>
+    <p:sldId id="262" r:id="rId4"/>
+    <p:sldId id="259" r:id="rId5"/>
+    <p:sldId id="257" r:id="rId6"/>
   </p:sldIdLst>
   <p:sldSz cx="12192000" cy="6858000"/>
   <p:notesSz cx="6858000" cy="9144000"/>
@@ -5880,6 +5881,1646 @@
       </p:grpSpPr>
       <p:pic>
         <p:nvPicPr>
+          <p:cNvPr id="48" name="Picture 47">
+            <a:extLst>
+              <a:ext uri="{FF2B5EF4-FFF2-40B4-BE49-F238E27FC236}">
+                <a16:creationId xmlns:a16="http://schemas.microsoft.com/office/drawing/2014/main" id="{242F1D66-9B4E-C345-97E8-299CE51F6B7F}"/>
+              </a:ext>
+            </a:extLst>
+          </p:cNvPr>
+          <p:cNvPicPr>
+            <a:picLocks noChangeAspect="1"/>
+          </p:cNvPicPr>
+          <p:nvPr/>
+        </p:nvPicPr>
+        <p:blipFill rotWithShape="1">
+          <a:blip r:embed="rId2">
+            <a:extLst>
+              <a:ext uri="{28A0092B-C50C-407E-A947-70E740481C1C}">
+                <a14:useLocalDpi xmlns:a14="http://schemas.microsoft.com/office/drawing/2010/main" val="0"/>
+              </a:ext>
+            </a:extLst>
+          </a:blip>
+          <a:srcRect l="7939"/>
+          <a:stretch/>
+        </p:blipFill>
+        <p:spPr>
+          <a:xfrm>
+            <a:off x="1377537" y="10826"/>
+            <a:ext cx="10327561" cy="6858000"/>
+          </a:xfrm>
+          <a:prstGeom prst="rect">
+            <a:avLst/>
+          </a:prstGeom>
+        </p:spPr>
+      </p:pic>
+      <p:pic>
+        <p:nvPicPr>
+          <p:cNvPr id="3" name="Picture 2">
+            <a:extLst>
+              <a:ext uri="{FF2B5EF4-FFF2-40B4-BE49-F238E27FC236}">
+                <a16:creationId xmlns:a16="http://schemas.microsoft.com/office/drawing/2014/main" id="{64E73272-218E-934F-9DD4-8C3419488552}"/>
+              </a:ext>
+            </a:extLst>
+          </p:cNvPr>
+          <p:cNvPicPr>
+            <a:picLocks noChangeAspect="1"/>
+          </p:cNvPicPr>
+          <p:nvPr/>
+        </p:nvPicPr>
+        <p:blipFill rotWithShape="1">
+          <a:blip r:embed="rId2">
+            <a:extLst>
+              <a:ext uri="{28A0092B-C50C-407E-A947-70E740481C1C}">
+                <a14:useLocalDpi xmlns:a14="http://schemas.microsoft.com/office/drawing/2010/main" val="0"/>
+              </a:ext>
+            </a:extLst>
+          </a:blip>
+          <a:srcRect l="25300" t="10909" r="67078" b="73333"/>
+          <a:stretch/>
+        </p:blipFill>
+        <p:spPr>
+          <a:xfrm>
+            <a:off x="3325091" y="748144"/>
+            <a:ext cx="855024" cy="1080655"/>
+          </a:xfrm>
+          <a:prstGeom prst="rect">
+            <a:avLst/>
+          </a:prstGeom>
+        </p:spPr>
+      </p:pic>
+      <p:pic>
+        <p:nvPicPr>
+          <p:cNvPr id="4" name="Picture 3">
+            <a:extLst>
+              <a:ext uri="{FF2B5EF4-FFF2-40B4-BE49-F238E27FC236}">
+                <a16:creationId xmlns:a16="http://schemas.microsoft.com/office/drawing/2014/main" id="{6BFBB961-7FED-E74A-93F2-76EBA6705978}"/>
+              </a:ext>
+            </a:extLst>
+          </p:cNvPr>
+          <p:cNvPicPr>
+            <a:picLocks noChangeAspect="1"/>
+          </p:cNvPicPr>
+          <p:nvPr/>
+        </p:nvPicPr>
+        <p:blipFill rotWithShape="1">
+          <a:blip r:embed="rId2">
+            <a:extLst>
+              <a:ext uri="{28A0092B-C50C-407E-A947-70E740481C1C}">
+                <a14:useLocalDpi xmlns:a14="http://schemas.microsoft.com/office/drawing/2010/main" val="0"/>
+              </a:ext>
+            </a:extLst>
+          </a:blip>
+          <a:srcRect l="32922" t="10751" r="59986" b="73491"/>
+          <a:stretch/>
+        </p:blipFill>
+        <p:spPr>
+          <a:xfrm>
+            <a:off x="4180116" y="748143"/>
+            <a:ext cx="795646" cy="1080655"/>
+          </a:xfrm>
+          <a:prstGeom prst="rect">
+            <a:avLst/>
+          </a:prstGeom>
+        </p:spPr>
+      </p:pic>
+      <p:pic>
+        <p:nvPicPr>
+          <p:cNvPr id="5" name="Picture 4">
+            <a:extLst>
+              <a:ext uri="{FF2B5EF4-FFF2-40B4-BE49-F238E27FC236}">
+                <a16:creationId xmlns:a16="http://schemas.microsoft.com/office/drawing/2014/main" id="{2AC56D9E-6C1B-1D48-A965-190E5D585721}"/>
+              </a:ext>
+            </a:extLst>
+          </p:cNvPr>
+          <p:cNvPicPr>
+            <a:picLocks noChangeAspect="1"/>
+          </p:cNvPicPr>
+          <p:nvPr/>
+        </p:nvPicPr>
+        <p:blipFill rotWithShape="1">
+          <a:blip r:embed="rId2">
+            <a:extLst>
+              <a:ext uri="{28A0092B-C50C-407E-A947-70E740481C1C}">
+                <a14:useLocalDpi xmlns:a14="http://schemas.microsoft.com/office/drawing/2010/main" val="0"/>
+              </a:ext>
+            </a:extLst>
+          </a:blip>
+          <a:srcRect l="40014" t="10752" r="51835" b="73491"/>
+          <a:stretch/>
+        </p:blipFill>
+        <p:spPr>
+          <a:xfrm>
+            <a:off x="4975762" y="748142"/>
+            <a:ext cx="914399" cy="1080656"/>
+          </a:xfrm>
+          <a:prstGeom prst="rect">
+            <a:avLst/>
+          </a:prstGeom>
+        </p:spPr>
+      </p:pic>
+      <p:pic>
+        <p:nvPicPr>
+          <p:cNvPr id="6" name="Picture 5">
+            <a:extLst>
+              <a:ext uri="{FF2B5EF4-FFF2-40B4-BE49-F238E27FC236}">
+                <a16:creationId xmlns:a16="http://schemas.microsoft.com/office/drawing/2014/main" id="{92F157A8-339A-CE45-8F1B-1284358AE48A}"/>
+              </a:ext>
+            </a:extLst>
+          </p:cNvPr>
+          <p:cNvPicPr>
+            <a:picLocks noChangeAspect="1"/>
+          </p:cNvPicPr>
+          <p:nvPr/>
+        </p:nvPicPr>
+        <p:blipFill rotWithShape="1">
+          <a:blip r:embed="rId2">
+            <a:extLst>
+              <a:ext uri="{28A0092B-C50C-407E-A947-70E740481C1C}">
+                <a14:useLocalDpi xmlns:a14="http://schemas.microsoft.com/office/drawing/2010/main" val="0"/>
+              </a:ext>
+            </a:extLst>
+          </a:blip>
+          <a:srcRect l="48165" t="10751" r="44001" b="73491"/>
+          <a:stretch/>
+        </p:blipFill>
+        <p:spPr>
+          <a:xfrm>
+            <a:off x="5890162" y="748142"/>
+            <a:ext cx="878774" cy="1080655"/>
+          </a:xfrm>
+          <a:prstGeom prst="rect">
+            <a:avLst/>
+          </a:prstGeom>
+        </p:spPr>
+      </p:pic>
+      <p:pic>
+        <p:nvPicPr>
+          <p:cNvPr id="7" name="Picture 6">
+            <a:extLst>
+              <a:ext uri="{FF2B5EF4-FFF2-40B4-BE49-F238E27FC236}">
+                <a16:creationId xmlns:a16="http://schemas.microsoft.com/office/drawing/2014/main" id="{576BA37B-3797-A541-943D-E74BC1C9A815}"/>
+              </a:ext>
+            </a:extLst>
+          </p:cNvPr>
+          <p:cNvPicPr>
+            <a:picLocks noChangeAspect="1"/>
+          </p:cNvPicPr>
+          <p:nvPr/>
+        </p:nvPicPr>
+        <p:blipFill rotWithShape="1">
+          <a:blip r:embed="rId2">
+            <a:extLst>
+              <a:ext uri="{28A0092B-C50C-407E-A947-70E740481C1C}">
+                <a14:useLocalDpi xmlns:a14="http://schemas.microsoft.com/office/drawing/2010/main" val="0"/>
+              </a:ext>
+            </a:extLst>
+          </a:blip>
+          <a:srcRect l="55999" t="10751" r="35744" b="73491"/>
+          <a:stretch/>
+        </p:blipFill>
+        <p:spPr>
+          <a:xfrm>
+            <a:off x="6768936" y="748142"/>
+            <a:ext cx="926274" cy="1080655"/>
+          </a:xfrm>
+          <a:prstGeom prst="rect">
+            <a:avLst/>
+          </a:prstGeom>
+        </p:spPr>
+      </p:pic>
+      <p:pic>
+        <p:nvPicPr>
+          <p:cNvPr id="8" name="Picture 7">
+            <a:extLst>
+              <a:ext uri="{FF2B5EF4-FFF2-40B4-BE49-F238E27FC236}">
+                <a16:creationId xmlns:a16="http://schemas.microsoft.com/office/drawing/2014/main" id="{CA5D1C1F-5FBD-1C45-8977-3941E4154397}"/>
+              </a:ext>
+            </a:extLst>
+          </p:cNvPr>
+          <p:cNvPicPr>
+            <a:picLocks noChangeAspect="1"/>
+          </p:cNvPicPr>
+          <p:nvPr/>
+        </p:nvPicPr>
+        <p:blipFill rotWithShape="1">
+          <a:blip r:embed="rId2">
+            <a:extLst>
+              <a:ext uri="{28A0092B-C50C-407E-A947-70E740481C1C}">
+                <a14:useLocalDpi xmlns:a14="http://schemas.microsoft.com/office/drawing/2010/main" val="0"/>
+              </a:ext>
+            </a:extLst>
+          </a:blip>
+          <a:srcRect l="64256" t="10751" r="27911" b="73491"/>
+          <a:stretch/>
+        </p:blipFill>
+        <p:spPr>
+          <a:xfrm>
+            <a:off x="7695210" y="748142"/>
+            <a:ext cx="878774" cy="1080655"/>
+          </a:xfrm>
+          <a:prstGeom prst="rect">
+            <a:avLst/>
+          </a:prstGeom>
+        </p:spPr>
+      </p:pic>
+      <p:pic>
+        <p:nvPicPr>
+          <p:cNvPr id="9" name="Picture 8">
+            <a:extLst>
+              <a:ext uri="{FF2B5EF4-FFF2-40B4-BE49-F238E27FC236}">
+                <a16:creationId xmlns:a16="http://schemas.microsoft.com/office/drawing/2014/main" id="{036E5983-1275-294B-AE9A-143CCE58E037}"/>
+              </a:ext>
+            </a:extLst>
+          </p:cNvPr>
+          <p:cNvPicPr>
+            <a:picLocks noChangeAspect="1"/>
+          </p:cNvPicPr>
+          <p:nvPr/>
+        </p:nvPicPr>
+        <p:blipFill rotWithShape="1">
+          <a:blip r:embed="rId2">
+            <a:extLst>
+              <a:ext uri="{28A0092B-C50C-407E-A947-70E740481C1C}">
+                <a14:useLocalDpi xmlns:a14="http://schemas.microsoft.com/office/drawing/2010/main" val="0"/>
+              </a:ext>
+            </a:extLst>
+          </a:blip>
+          <a:srcRect l="72090" t="10751" r="20183" b="73491"/>
+          <a:stretch/>
+        </p:blipFill>
+        <p:spPr>
+          <a:xfrm>
+            <a:off x="8573975" y="748142"/>
+            <a:ext cx="866905" cy="1080655"/>
+          </a:xfrm>
+          <a:prstGeom prst="rect">
+            <a:avLst/>
+          </a:prstGeom>
+        </p:spPr>
+      </p:pic>
+      <p:pic>
+        <p:nvPicPr>
+          <p:cNvPr id="10" name="Picture 9">
+            <a:extLst>
+              <a:ext uri="{FF2B5EF4-FFF2-40B4-BE49-F238E27FC236}">
+                <a16:creationId xmlns:a16="http://schemas.microsoft.com/office/drawing/2014/main" id="{8AF83301-5713-1940-9D30-8918BFC90708}"/>
+              </a:ext>
+            </a:extLst>
+          </p:cNvPr>
+          <p:cNvPicPr>
+            <a:picLocks noChangeAspect="1"/>
+          </p:cNvPicPr>
+          <p:nvPr/>
+        </p:nvPicPr>
+        <p:blipFill rotWithShape="1">
+          <a:blip r:embed="rId2">
+            <a:extLst>
+              <a:ext uri="{28A0092B-C50C-407E-A947-70E740481C1C}">
+                <a14:useLocalDpi xmlns:a14="http://schemas.microsoft.com/office/drawing/2010/main" val="0"/>
+              </a:ext>
+            </a:extLst>
+          </a:blip>
+          <a:srcRect l="79816" t="10751" r="12774" b="73491"/>
+          <a:stretch/>
+        </p:blipFill>
+        <p:spPr>
+          <a:xfrm>
+            <a:off x="9440882" y="748142"/>
+            <a:ext cx="831274" cy="1080655"/>
+          </a:xfrm>
+          <a:prstGeom prst="rect">
+            <a:avLst/>
+          </a:prstGeom>
+        </p:spPr>
+      </p:pic>
+      <p:pic>
+        <p:nvPicPr>
+          <p:cNvPr id="11" name="Picture 10">
+            <a:extLst>
+              <a:ext uri="{FF2B5EF4-FFF2-40B4-BE49-F238E27FC236}">
+                <a16:creationId xmlns:a16="http://schemas.microsoft.com/office/drawing/2014/main" id="{B0EFDF6D-AB6D-1D40-8C24-69746BDF3B10}"/>
+              </a:ext>
+            </a:extLst>
+          </p:cNvPr>
+          <p:cNvPicPr>
+            <a:picLocks noChangeAspect="1"/>
+          </p:cNvPicPr>
+          <p:nvPr/>
+        </p:nvPicPr>
+        <p:blipFill rotWithShape="1">
+          <a:blip r:embed="rId2">
+            <a:extLst>
+              <a:ext uri="{28A0092B-C50C-407E-A947-70E740481C1C}">
+                <a14:useLocalDpi xmlns:a14="http://schemas.microsoft.com/office/drawing/2010/main" val="0"/>
+              </a:ext>
+            </a:extLst>
+          </a:blip>
+          <a:srcRect l="87227" t="10751" r="4305" b="73491"/>
+          <a:stretch/>
+        </p:blipFill>
+        <p:spPr>
+          <a:xfrm>
+            <a:off x="10272156" y="748142"/>
+            <a:ext cx="950026" cy="1080655"/>
+          </a:xfrm>
+          <a:prstGeom prst="rect">
+            <a:avLst/>
+          </a:prstGeom>
+        </p:spPr>
+      </p:pic>
+      <p:pic>
+        <p:nvPicPr>
+          <p:cNvPr id="12" name="Picture 11">
+            <a:extLst>
+              <a:ext uri="{FF2B5EF4-FFF2-40B4-BE49-F238E27FC236}">
+                <a16:creationId xmlns:a16="http://schemas.microsoft.com/office/drawing/2014/main" id="{3DC5052E-4ED8-4546-A19E-3260CBDE883E}"/>
+              </a:ext>
+            </a:extLst>
+          </p:cNvPr>
+          <p:cNvPicPr>
+            <a:picLocks noChangeAspect="1"/>
+          </p:cNvPicPr>
+          <p:nvPr/>
+        </p:nvPicPr>
+        <p:blipFill rotWithShape="1">
+          <a:blip r:embed="rId2">
+            <a:extLst>
+              <a:ext uri="{28A0092B-C50C-407E-A947-70E740481C1C}">
+                <a14:useLocalDpi xmlns:a14="http://schemas.microsoft.com/office/drawing/2010/main" val="0"/>
+              </a:ext>
+            </a:extLst>
+          </a:blip>
+          <a:srcRect l="25300" t="26509" r="67078" b="57561"/>
+          <a:stretch/>
+        </p:blipFill>
+        <p:spPr>
+          <a:xfrm>
+            <a:off x="3325091" y="1828796"/>
+            <a:ext cx="855024" cy="1092533"/>
+          </a:xfrm>
+          <a:prstGeom prst="rect">
+            <a:avLst/>
+          </a:prstGeom>
+        </p:spPr>
+      </p:pic>
+      <p:pic>
+        <p:nvPicPr>
+          <p:cNvPr id="13" name="Picture 12">
+            <a:extLst>
+              <a:ext uri="{FF2B5EF4-FFF2-40B4-BE49-F238E27FC236}">
+                <a16:creationId xmlns:a16="http://schemas.microsoft.com/office/drawing/2014/main" id="{8D45BDFD-384E-7F49-B515-4ABD2ADDCCA2}"/>
+              </a:ext>
+            </a:extLst>
+          </p:cNvPr>
+          <p:cNvPicPr>
+            <a:picLocks noChangeAspect="1"/>
+          </p:cNvPicPr>
+          <p:nvPr/>
+        </p:nvPicPr>
+        <p:blipFill rotWithShape="1">
+          <a:blip r:embed="rId2">
+            <a:extLst>
+              <a:ext uri="{28A0092B-C50C-407E-A947-70E740481C1C}">
+                <a14:useLocalDpi xmlns:a14="http://schemas.microsoft.com/office/drawing/2010/main" val="0"/>
+              </a:ext>
+            </a:extLst>
+          </a:blip>
+          <a:srcRect l="32922" t="26509" r="59986" b="57561"/>
+          <a:stretch/>
+        </p:blipFill>
+        <p:spPr>
+          <a:xfrm>
+            <a:off x="4180115" y="1828796"/>
+            <a:ext cx="795647" cy="1092533"/>
+          </a:xfrm>
+          <a:prstGeom prst="rect">
+            <a:avLst/>
+          </a:prstGeom>
+        </p:spPr>
+      </p:pic>
+      <p:pic>
+        <p:nvPicPr>
+          <p:cNvPr id="14" name="Picture 13">
+            <a:extLst>
+              <a:ext uri="{FF2B5EF4-FFF2-40B4-BE49-F238E27FC236}">
+                <a16:creationId xmlns:a16="http://schemas.microsoft.com/office/drawing/2014/main" id="{31654B40-AB1B-7942-A00F-342C87B17FFF}"/>
+              </a:ext>
+            </a:extLst>
+          </p:cNvPr>
+          <p:cNvPicPr>
+            <a:picLocks noChangeAspect="1"/>
+          </p:cNvPicPr>
+          <p:nvPr/>
+        </p:nvPicPr>
+        <p:blipFill rotWithShape="1">
+          <a:blip r:embed="rId2">
+            <a:extLst>
+              <a:ext uri="{28A0092B-C50C-407E-A947-70E740481C1C}">
+                <a14:useLocalDpi xmlns:a14="http://schemas.microsoft.com/office/drawing/2010/main" val="0"/>
+              </a:ext>
+            </a:extLst>
+          </a:blip>
+          <a:srcRect l="40014" t="26509" r="51835" b="57561"/>
+          <a:stretch/>
+        </p:blipFill>
+        <p:spPr>
+          <a:xfrm>
+            <a:off x="4975762" y="1828795"/>
+            <a:ext cx="914399" cy="1092533"/>
+          </a:xfrm>
+          <a:prstGeom prst="rect">
+            <a:avLst/>
+          </a:prstGeom>
+        </p:spPr>
+      </p:pic>
+      <p:pic>
+        <p:nvPicPr>
+          <p:cNvPr id="15" name="Picture 14">
+            <a:extLst>
+              <a:ext uri="{FF2B5EF4-FFF2-40B4-BE49-F238E27FC236}">
+                <a16:creationId xmlns:a16="http://schemas.microsoft.com/office/drawing/2014/main" id="{417B926A-143F-3E4D-BB28-7E485572A116}"/>
+              </a:ext>
+            </a:extLst>
+          </p:cNvPr>
+          <p:cNvPicPr>
+            <a:picLocks noChangeAspect="1"/>
+          </p:cNvPicPr>
+          <p:nvPr/>
+        </p:nvPicPr>
+        <p:blipFill rotWithShape="1">
+          <a:blip r:embed="rId2">
+            <a:extLst>
+              <a:ext uri="{28A0092B-C50C-407E-A947-70E740481C1C}">
+                <a14:useLocalDpi xmlns:a14="http://schemas.microsoft.com/office/drawing/2010/main" val="0"/>
+              </a:ext>
+            </a:extLst>
+          </a:blip>
+          <a:srcRect l="48165" t="26509" r="44001" b="57561"/>
+          <a:stretch/>
+        </p:blipFill>
+        <p:spPr>
+          <a:xfrm>
+            <a:off x="5890161" y="1828794"/>
+            <a:ext cx="878775" cy="1092534"/>
+          </a:xfrm>
+          <a:prstGeom prst="rect">
+            <a:avLst/>
+          </a:prstGeom>
+        </p:spPr>
+      </p:pic>
+      <p:pic>
+        <p:nvPicPr>
+          <p:cNvPr id="16" name="Picture 15">
+            <a:extLst>
+              <a:ext uri="{FF2B5EF4-FFF2-40B4-BE49-F238E27FC236}">
+                <a16:creationId xmlns:a16="http://schemas.microsoft.com/office/drawing/2014/main" id="{2FCF6795-0184-3F4E-8B6A-973CFABA3164}"/>
+              </a:ext>
+            </a:extLst>
+          </p:cNvPr>
+          <p:cNvPicPr>
+            <a:picLocks noChangeAspect="1"/>
+          </p:cNvPicPr>
+          <p:nvPr/>
+        </p:nvPicPr>
+        <p:blipFill rotWithShape="1">
+          <a:blip r:embed="rId2">
+            <a:extLst>
+              <a:ext uri="{28A0092B-C50C-407E-A947-70E740481C1C}">
+                <a14:useLocalDpi xmlns:a14="http://schemas.microsoft.com/office/drawing/2010/main" val="0"/>
+              </a:ext>
+            </a:extLst>
+          </a:blip>
+          <a:srcRect l="55999" t="26509" r="36168" b="57561"/>
+          <a:stretch/>
+        </p:blipFill>
+        <p:spPr>
+          <a:xfrm>
+            <a:off x="6768935" y="1828792"/>
+            <a:ext cx="878775" cy="1092535"/>
+          </a:xfrm>
+          <a:prstGeom prst="rect">
+            <a:avLst/>
+          </a:prstGeom>
+        </p:spPr>
+      </p:pic>
+      <p:pic>
+        <p:nvPicPr>
+          <p:cNvPr id="17" name="Picture 16">
+            <a:extLst>
+              <a:ext uri="{FF2B5EF4-FFF2-40B4-BE49-F238E27FC236}">
+                <a16:creationId xmlns:a16="http://schemas.microsoft.com/office/drawing/2014/main" id="{694933CA-EBF5-7F45-B7D6-B3AEA00839C4}"/>
+              </a:ext>
+            </a:extLst>
+          </p:cNvPr>
+          <p:cNvPicPr>
+            <a:picLocks noChangeAspect="1"/>
+          </p:cNvPicPr>
+          <p:nvPr/>
+        </p:nvPicPr>
+        <p:blipFill rotWithShape="1">
+          <a:blip r:embed="rId2">
+            <a:extLst>
+              <a:ext uri="{28A0092B-C50C-407E-A947-70E740481C1C}">
+                <a14:useLocalDpi xmlns:a14="http://schemas.microsoft.com/office/drawing/2010/main" val="0"/>
+              </a:ext>
+            </a:extLst>
+          </a:blip>
+          <a:srcRect l="63727" t="26509" r="27593" b="57561"/>
+          <a:stretch/>
+        </p:blipFill>
+        <p:spPr>
+          <a:xfrm>
+            <a:off x="7647710" y="1828792"/>
+            <a:ext cx="973774" cy="1092535"/>
+          </a:xfrm>
+          <a:prstGeom prst="rect">
+            <a:avLst/>
+          </a:prstGeom>
+        </p:spPr>
+      </p:pic>
+      <p:pic>
+        <p:nvPicPr>
+          <p:cNvPr id="18" name="Picture 17">
+            <a:extLst>
+              <a:ext uri="{FF2B5EF4-FFF2-40B4-BE49-F238E27FC236}">
+                <a16:creationId xmlns:a16="http://schemas.microsoft.com/office/drawing/2014/main" id="{64AC1F4F-388D-6A42-8EB8-091749EB4292}"/>
+              </a:ext>
+            </a:extLst>
+          </p:cNvPr>
+          <p:cNvPicPr>
+            <a:picLocks noChangeAspect="1"/>
+          </p:cNvPicPr>
+          <p:nvPr/>
+        </p:nvPicPr>
+        <p:blipFill rotWithShape="1">
+          <a:blip r:embed="rId2">
+            <a:extLst>
+              <a:ext uri="{28A0092B-C50C-407E-A947-70E740481C1C}">
+                <a14:useLocalDpi xmlns:a14="http://schemas.microsoft.com/office/drawing/2010/main" val="0"/>
+              </a:ext>
+            </a:extLst>
+          </a:blip>
+          <a:srcRect l="72513" t="26509" r="20606" b="57561"/>
+          <a:stretch/>
+        </p:blipFill>
+        <p:spPr>
+          <a:xfrm>
+            <a:off x="8621484" y="1828792"/>
+            <a:ext cx="771898" cy="1092535"/>
+          </a:xfrm>
+          <a:prstGeom prst="rect">
+            <a:avLst/>
+          </a:prstGeom>
+        </p:spPr>
+      </p:pic>
+      <p:pic>
+        <p:nvPicPr>
+          <p:cNvPr id="19" name="Picture 18">
+            <a:extLst>
+              <a:ext uri="{FF2B5EF4-FFF2-40B4-BE49-F238E27FC236}">
+                <a16:creationId xmlns:a16="http://schemas.microsoft.com/office/drawing/2014/main" id="{FBE3012E-D41C-EC49-8B73-2547E8E020B8}"/>
+              </a:ext>
+            </a:extLst>
+          </p:cNvPr>
+          <p:cNvPicPr>
+            <a:picLocks noChangeAspect="1"/>
+          </p:cNvPicPr>
+          <p:nvPr/>
+        </p:nvPicPr>
+        <p:blipFill rotWithShape="1">
+          <a:blip r:embed="rId2">
+            <a:extLst>
+              <a:ext uri="{28A0092B-C50C-407E-A947-70E740481C1C}">
+                <a14:useLocalDpi xmlns:a14="http://schemas.microsoft.com/office/drawing/2010/main" val="0"/>
+              </a:ext>
+            </a:extLst>
+          </a:blip>
+          <a:srcRect l="79181" t="26509" r="12562" b="57561"/>
+          <a:stretch/>
+        </p:blipFill>
+        <p:spPr>
+          <a:xfrm>
+            <a:off x="9393382" y="1828792"/>
+            <a:ext cx="926253" cy="1092535"/>
+          </a:xfrm>
+          <a:prstGeom prst="rect">
+            <a:avLst/>
+          </a:prstGeom>
+        </p:spPr>
+      </p:pic>
+      <p:pic>
+        <p:nvPicPr>
+          <p:cNvPr id="20" name="Picture 19">
+            <a:extLst>
+              <a:ext uri="{FF2B5EF4-FFF2-40B4-BE49-F238E27FC236}">
+                <a16:creationId xmlns:a16="http://schemas.microsoft.com/office/drawing/2014/main" id="{E8B5756A-1861-7A4D-B996-783BA47E8870}"/>
+              </a:ext>
+            </a:extLst>
+          </p:cNvPr>
+          <p:cNvPicPr>
+            <a:picLocks noChangeAspect="1"/>
+          </p:cNvPicPr>
+          <p:nvPr/>
+        </p:nvPicPr>
+        <p:blipFill rotWithShape="1">
+          <a:blip r:embed="rId2">
+            <a:extLst>
+              <a:ext uri="{28A0092B-C50C-407E-A947-70E740481C1C}">
+                <a14:useLocalDpi xmlns:a14="http://schemas.microsoft.com/office/drawing/2010/main" val="0"/>
+              </a:ext>
+            </a:extLst>
+          </a:blip>
+          <a:srcRect l="87650" t="26509" r="4305" b="57561"/>
+          <a:stretch/>
+        </p:blipFill>
+        <p:spPr>
+          <a:xfrm>
+            <a:off x="10319655" y="1828792"/>
+            <a:ext cx="902527" cy="1092535"/>
+          </a:xfrm>
+          <a:prstGeom prst="rect">
+            <a:avLst/>
+          </a:prstGeom>
+        </p:spPr>
+      </p:pic>
+      <p:pic>
+        <p:nvPicPr>
+          <p:cNvPr id="21" name="Picture 20">
+            <a:extLst>
+              <a:ext uri="{FF2B5EF4-FFF2-40B4-BE49-F238E27FC236}">
+                <a16:creationId xmlns:a16="http://schemas.microsoft.com/office/drawing/2014/main" id="{BFE7C5C8-7870-AD4C-9339-74F1A4A55BC7}"/>
+              </a:ext>
+            </a:extLst>
+          </p:cNvPr>
+          <p:cNvPicPr>
+            <a:picLocks noChangeAspect="1"/>
+          </p:cNvPicPr>
+          <p:nvPr/>
+        </p:nvPicPr>
+        <p:blipFill rotWithShape="1">
+          <a:blip r:embed="rId2">
+            <a:extLst>
+              <a:ext uri="{28A0092B-C50C-407E-A947-70E740481C1C}">
+                <a14:useLocalDpi xmlns:a14="http://schemas.microsoft.com/office/drawing/2010/main" val="0"/>
+              </a:ext>
+            </a:extLst>
+          </a:blip>
+          <a:srcRect l="25300" t="42439" r="67078" b="41976"/>
+          <a:stretch/>
+        </p:blipFill>
+        <p:spPr>
+          <a:xfrm>
+            <a:off x="3325091" y="2921327"/>
+            <a:ext cx="855023" cy="1068782"/>
+          </a:xfrm>
+          <a:prstGeom prst="rect">
+            <a:avLst/>
+          </a:prstGeom>
+        </p:spPr>
+      </p:pic>
+      <p:pic>
+        <p:nvPicPr>
+          <p:cNvPr id="22" name="Picture 21">
+            <a:extLst>
+              <a:ext uri="{FF2B5EF4-FFF2-40B4-BE49-F238E27FC236}">
+                <a16:creationId xmlns:a16="http://schemas.microsoft.com/office/drawing/2014/main" id="{4D3998BE-FFB8-3948-951C-12ACE176B385}"/>
+              </a:ext>
+            </a:extLst>
+          </p:cNvPr>
+          <p:cNvPicPr>
+            <a:picLocks noChangeAspect="1"/>
+          </p:cNvPicPr>
+          <p:nvPr/>
+        </p:nvPicPr>
+        <p:blipFill rotWithShape="1">
+          <a:blip r:embed="rId2">
+            <a:extLst>
+              <a:ext uri="{28A0092B-C50C-407E-A947-70E740481C1C}">
+                <a14:useLocalDpi xmlns:a14="http://schemas.microsoft.com/office/drawing/2010/main" val="0"/>
+              </a:ext>
+            </a:extLst>
+          </a:blip>
+          <a:srcRect l="32922" t="42207" r="59986" b="42208"/>
+          <a:stretch/>
+        </p:blipFill>
+        <p:spPr>
+          <a:xfrm>
+            <a:off x="4180114" y="2921326"/>
+            <a:ext cx="795646" cy="1068783"/>
+          </a:xfrm>
+          <a:prstGeom prst="rect">
+            <a:avLst/>
+          </a:prstGeom>
+        </p:spPr>
+      </p:pic>
+      <p:pic>
+        <p:nvPicPr>
+          <p:cNvPr id="23" name="Picture 22">
+            <a:extLst>
+              <a:ext uri="{FF2B5EF4-FFF2-40B4-BE49-F238E27FC236}">
+                <a16:creationId xmlns:a16="http://schemas.microsoft.com/office/drawing/2014/main" id="{6749F6C9-36CA-FB4B-8F24-427FFE4E7158}"/>
+              </a:ext>
+            </a:extLst>
+          </p:cNvPr>
+          <p:cNvPicPr>
+            <a:picLocks noChangeAspect="1"/>
+          </p:cNvPicPr>
+          <p:nvPr/>
+        </p:nvPicPr>
+        <p:blipFill rotWithShape="1">
+          <a:blip r:embed="rId2">
+            <a:extLst>
+              <a:ext uri="{28A0092B-C50C-407E-A947-70E740481C1C}">
+                <a14:useLocalDpi xmlns:a14="http://schemas.microsoft.com/office/drawing/2010/main" val="0"/>
+              </a:ext>
+            </a:extLst>
+          </a:blip>
+          <a:srcRect l="39803" t="42207" r="52046" b="42208"/>
+          <a:stretch/>
+        </p:blipFill>
+        <p:spPr>
+          <a:xfrm>
+            <a:off x="4975760" y="2921323"/>
+            <a:ext cx="914399" cy="1068785"/>
+          </a:xfrm>
+          <a:prstGeom prst="rect">
+            <a:avLst/>
+          </a:prstGeom>
+        </p:spPr>
+      </p:pic>
+      <p:pic>
+        <p:nvPicPr>
+          <p:cNvPr id="24" name="Picture 23">
+            <a:extLst>
+              <a:ext uri="{FF2B5EF4-FFF2-40B4-BE49-F238E27FC236}">
+                <a16:creationId xmlns:a16="http://schemas.microsoft.com/office/drawing/2014/main" id="{DA9C5AE0-A641-4C4F-859B-0B53B3A652AC}"/>
+              </a:ext>
+            </a:extLst>
+          </p:cNvPr>
+          <p:cNvPicPr>
+            <a:picLocks noChangeAspect="1"/>
+          </p:cNvPicPr>
+          <p:nvPr/>
+        </p:nvPicPr>
+        <p:blipFill rotWithShape="1">
+          <a:blip r:embed="rId2">
+            <a:extLst>
+              <a:ext uri="{28A0092B-C50C-407E-A947-70E740481C1C}">
+                <a14:useLocalDpi xmlns:a14="http://schemas.microsoft.com/office/drawing/2010/main" val="0"/>
+              </a:ext>
+            </a:extLst>
+          </a:blip>
+          <a:srcRect l="48165" t="42598" r="44001" b="41818"/>
+          <a:stretch/>
+        </p:blipFill>
+        <p:spPr>
+          <a:xfrm>
+            <a:off x="5890159" y="2921322"/>
+            <a:ext cx="878774" cy="1068786"/>
+          </a:xfrm>
+          <a:prstGeom prst="rect">
+            <a:avLst/>
+          </a:prstGeom>
+        </p:spPr>
+      </p:pic>
+      <p:pic>
+        <p:nvPicPr>
+          <p:cNvPr id="25" name="Picture 24">
+            <a:extLst>
+              <a:ext uri="{FF2B5EF4-FFF2-40B4-BE49-F238E27FC236}">
+                <a16:creationId xmlns:a16="http://schemas.microsoft.com/office/drawing/2014/main" id="{FCE432C4-2213-6046-B4E4-DDFDAB65839F}"/>
+              </a:ext>
+            </a:extLst>
+          </p:cNvPr>
+          <p:cNvPicPr>
+            <a:picLocks noChangeAspect="1"/>
+          </p:cNvPicPr>
+          <p:nvPr/>
+        </p:nvPicPr>
+        <p:blipFill rotWithShape="1">
+          <a:blip r:embed="rId2">
+            <a:extLst>
+              <a:ext uri="{28A0092B-C50C-407E-A947-70E740481C1C}">
+                <a14:useLocalDpi xmlns:a14="http://schemas.microsoft.com/office/drawing/2010/main" val="0"/>
+              </a:ext>
+            </a:extLst>
+          </a:blip>
+          <a:srcRect l="55999" t="42207" r="36167" b="42208"/>
+          <a:stretch/>
+        </p:blipFill>
+        <p:spPr>
+          <a:xfrm>
+            <a:off x="6768934" y="2921321"/>
+            <a:ext cx="878774" cy="1068787"/>
+          </a:xfrm>
+          <a:prstGeom prst="rect">
+            <a:avLst/>
+          </a:prstGeom>
+        </p:spPr>
+      </p:pic>
+      <p:pic>
+        <p:nvPicPr>
+          <p:cNvPr id="26" name="Picture 25">
+            <a:extLst>
+              <a:ext uri="{FF2B5EF4-FFF2-40B4-BE49-F238E27FC236}">
+                <a16:creationId xmlns:a16="http://schemas.microsoft.com/office/drawing/2014/main" id="{8636E578-B0FA-E842-9CB6-F22137977F92}"/>
+              </a:ext>
+            </a:extLst>
+          </p:cNvPr>
+          <p:cNvPicPr>
+            <a:picLocks noChangeAspect="1"/>
+          </p:cNvPicPr>
+          <p:nvPr/>
+        </p:nvPicPr>
+        <p:blipFill rotWithShape="1">
+          <a:blip r:embed="rId2">
+            <a:extLst>
+              <a:ext uri="{28A0092B-C50C-407E-A947-70E740481C1C}">
+                <a14:useLocalDpi xmlns:a14="http://schemas.microsoft.com/office/drawing/2010/main" val="0"/>
+              </a:ext>
+            </a:extLst>
+          </a:blip>
+          <a:srcRect l="63832" t="42597" r="27487" b="41818"/>
+          <a:stretch/>
+        </p:blipFill>
+        <p:spPr>
+          <a:xfrm>
+            <a:off x="7647691" y="2921320"/>
+            <a:ext cx="973791" cy="1068787"/>
+          </a:xfrm>
+          <a:prstGeom prst="rect">
+            <a:avLst/>
+          </a:prstGeom>
+        </p:spPr>
+      </p:pic>
+      <p:pic>
+        <p:nvPicPr>
+          <p:cNvPr id="27" name="Picture 26">
+            <a:extLst>
+              <a:ext uri="{FF2B5EF4-FFF2-40B4-BE49-F238E27FC236}">
+                <a16:creationId xmlns:a16="http://schemas.microsoft.com/office/drawing/2014/main" id="{0A64BA21-8FFD-0E40-B8E8-C3C629341A44}"/>
+              </a:ext>
+            </a:extLst>
+          </p:cNvPr>
+          <p:cNvPicPr>
+            <a:picLocks noChangeAspect="1"/>
+          </p:cNvPicPr>
+          <p:nvPr/>
+        </p:nvPicPr>
+        <p:blipFill rotWithShape="1">
+          <a:blip r:embed="rId2">
+            <a:extLst>
+              <a:ext uri="{28A0092B-C50C-407E-A947-70E740481C1C}">
+                <a14:useLocalDpi xmlns:a14="http://schemas.microsoft.com/office/drawing/2010/main" val="0"/>
+              </a:ext>
+            </a:extLst>
+          </a:blip>
+          <a:srcRect l="79394" t="42382" r="12350" b="42034"/>
+          <a:stretch/>
+        </p:blipFill>
+        <p:spPr>
+          <a:xfrm>
+            <a:off x="9393382" y="2921320"/>
+            <a:ext cx="926273" cy="1068787"/>
+          </a:xfrm>
+          <a:prstGeom prst="rect">
+            <a:avLst/>
+          </a:prstGeom>
+        </p:spPr>
+      </p:pic>
+      <p:pic>
+        <p:nvPicPr>
+          <p:cNvPr id="28" name="Picture 27">
+            <a:extLst>
+              <a:ext uri="{FF2B5EF4-FFF2-40B4-BE49-F238E27FC236}">
+                <a16:creationId xmlns:a16="http://schemas.microsoft.com/office/drawing/2014/main" id="{994DC8E7-A89C-F34D-8B1E-393028EE1B64}"/>
+              </a:ext>
+            </a:extLst>
+          </p:cNvPr>
+          <p:cNvPicPr>
+            <a:picLocks noChangeAspect="1"/>
+          </p:cNvPicPr>
+          <p:nvPr/>
+        </p:nvPicPr>
+        <p:blipFill rotWithShape="1">
+          <a:blip r:embed="rId2">
+            <a:extLst>
+              <a:ext uri="{28A0092B-C50C-407E-A947-70E740481C1C}">
+                <a14:useLocalDpi xmlns:a14="http://schemas.microsoft.com/office/drawing/2010/main" val="0"/>
+              </a:ext>
+            </a:extLst>
+          </a:blip>
+          <a:srcRect l="72512" t="42440" r="20183" b="41976"/>
+          <a:stretch/>
+        </p:blipFill>
+        <p:spPr>
+          <a:xfrm>
+            <a:off x="8621482" y="2921320"/>
+            <a:ext cx="819400" cy="1068787"/>
+          </a:xfrm>
+          <a:prstGeom prst="rect">
+            <a:avLst/>
+          </a:prstGeom>
+        </p:spPr>
+      </p:pic>
+      <p:pic>
+        <p:nvPicPr>
+          <p:cNvPr id="29" name="Picture 28">
+            <a:extLst>
+              <a:ext uri="{FF2B5EF4-FFF2-40B4-BE49-F238E27FC236}">
+                <a16:creationId xmlns:a16="http://schemas.microsoft.com/office/drawing/2014/main" id="{EBBEB146-AABA-F441-90C0-C7B86E7678F8}"/>
+              </a:ext>
+            </a:extLst>
+          </p:cNvPr>
+          <p:cNvPicPr>
+            <a:picLocks noChangeAspect="1"/>
+          </p:cNvPicPr>
+          <p:nvPr/>
+        </p:nvPicPr>
+        <p:blipFill rotWithShape="1">
+          <a:blip r:embed="rId2">
+            <a:extLst>
+              <a:ext uri="{28A0092B-C50C-407E-A947-70E740481C1C}">
+                <a14:useLocalDpi xmlns:a14="http://schemas.microsoft.com/office/drawing/2010/main" val="0"/>
+              </a:ext>
+            </a:extLst>
+          </a:blip>
+          <a:srcRect l="87650" t="42207" r="4305" b="42208"/>
+          <a:stretch/>
+        </p:blipFill>
+        <p:spPr>
+          <a:xfrm>
+            <a:off x="10319655" y="2921319"/>
+            <a:ext cx="902528" cy="1068787"/>
+          </a:xfrm>
+          <a:prstGeom prst="rect">
+            <a:avLst/>
+          </a:prstGeom>
+        </p:spPr>
+      </p:pic>
+      <p:pic>
+        <p:nvPicPr>
+          <p:cNvPr id="30" name="Picture 29">
+            <a:extLst>
+              <a:ext uri="{FF2B5EF4-FFF2-40B4-BE49-F238E27FC236}">
+                <a16:creationId xmlns:a16="http://schemas.microsoft.com/office/drawing/2014/main" id="{730C775A-5D9F-0344-8C5C-C950C837D976}"/>
+              </a:ext>
+            </a:extLst>
+          </p:cNvPr>
+          <p:cNvPicPr>
+            <a:picLocks noChangeAspect="1"/>
+          </p:cNvPicPr>
+          <p:nvPr/>
+        </p:nvPicPr>
+        <p:blipFill rotWithShape="1">
+          <a:blip r:embed="rId2">
+            <a:extLst>
+              <a:ext uri="{28A0092B-C50C-407E-A947-70E740481C1C}">
+                <a14:useLocalDpi xmlns:a14="http://schemas.microsoft.com/office/drawing/2010/main" val="0"/>
+              </a:ext>
+            </a:extLst>
+          </a:blip>
+          <a:srcRect l="25300" t="74112" r="67078" b="10649"/>
+          <a:stretch/>
+        </p:blipFill>
+        <p:spPr>
+          <a:xfrm>
+            <a:off x="3325091" y="5082636"/>
+            <a:ext cx="855023" cy="1045032"/>
+          </a:xfrm>
+          <a:prstGeom prst="rect">
+            <a:avLst/>
+          </a:prstGeom>
+        </p:spPr>
+      </p:pic>
+      <p:pic>
+        <p:nvPicPr>
+          <p:cNvPr id="31" name="Picture 30">
+            <a:extLst>
+              <a:ext uri="{FF2B5EF4-FFF2-40B4-BE49-F238E27FC236}">
+                <a16:creationId xmlns:a16="http://schemas.microsoft.com/office/drawing/2014/main" id="{65D2383F-59B8-764D-86A8-60DA6BB27D7C}"/>
+              </a:ext>
+            </a:extLst>
+          </p:cNvPr>
+          <p:cNvPicPr>
+            <a:picLocks noChangeAspect="1"/>
+          </p:cNvPicPr>
+          <p:nvPr/>
+        </p:nvPicPr>
+        <p:blipFill rotWithShape="1">
+          <a:blip r:embed="rId2">
+            <a:extLst>
+              <a:ext uri="{28A0092B-C50C-407E-A947-70E740481C1C}">
+                <a14:useLocalDpi xmlns:a14="http://schemas.microsoft.com/office/drawing/2010/main" val="0"/>
+              </a:ext>
+            </a:extLst>
+          </a:blip>
+          <a:srcRect l="32922" t="73723" r="59986" b="11039"/>
+          <a:stretch/>
+        </p:blipFill>
+        <p:spPr>
+          <a:xfrm>
+            <a:off x="4180114" y="5082632"/>
+            <a:ext cx="795646" cy="1045035"/>
+          </a:xfrm>
+          <a:prstGeom prst="rect">
+            <a:avLst/>
+          </a:prstGeom>
+        </p:spPr>
+      </p:pic>
+      <p:pic>
+        <p:nvPicPr>
+          <p:cNvPr id="32" name="Picture 31">
+            <a:extLst>
+              <a:ext uri="{FF2B5EF4-FFF2-40B4-BE49-F238E27FC236}">
+                <a16:creationId xmlns:a16="http://schemas.microsoft.com/office/drawing/2014/main" id="{92036802-1F9C-9C4F-80DD-864E63B42EB0}"/>
+              </a:ext>
+            </a:extLst>
+          </p:cNvPr>
+          <p:cNvPicPr>
+            <a:picLocks noChangeAspect="1"/>
+          </p:cNvPicPr>
+          <p:nvPr/>
+        </p:nvPicPr>
+        <p:blipFill rotWithShape="1">
+          <a:blip r:embed="rId2">
+            <a:extLst>
+              <a:ext uri="{28A0092B-C50C-407E-A947-70E740481C1C}">
+                <a14:useLocalDpi xmlns:a14="http://schemas.microsoft.com/office/drawing/2010/main" val="0"/>
+              </a:ext>
+            </a:extLst>
+          </a:blip>
+          <a:srcRect l="40013" t="73723" r="51306" b="11039"/>
+          <a:stretch/>
+        </p:blipFill>
+        <p:spPr>
+          <a:xfrm>
+            <a:off x="4975745" y="5082632"/>
+            <a:ext cx="973778" cy="1045035"/>
+          </a:xfrm>
+          <a:prstGeom prst="rect">
+            <a:avLst/>
+          </a:prstGeom>
+        </p:spPr>
+      </p:pic>
+      <p:pic>
+        <p:nvPicPr>
+          <p:cNvPr id="33" name="Picture 32">
+            <a:extLst>
+              <a:ext uri="{FF2B5EF4-FFF2-40B4-BE49-F238E27FC236}">
+                <a16:creationId xmlns:a16="http://schemas.microsoft.com/office/drawing/2014/main" id="{99B5E1FE-64A2-0D42-B766-055354114E82}"/>
+              </a:ext>
+            </a:extLst>
+          </p:cNvPr>
+          <p:cNvPicPr>
+            <a:picLocks noChangeAspect="1"/>
+          </p:cNvPicPr>
+          <p:nvPr/>
+        </p:nvPicPr>
+        <p:blipFill rotWithShape="1">
+          <a:blip r:embed="rId2">
+            <a:extLst>
+              <a:ext uri="{28A0092B-C50C-407E-A947-70E740481C1C}">
+                <a14:useLocalDpi xmlns:a14="http://schemas.microsoft.com/office/drawing/2010/main" val="0"/>
+              </a:ext>
+            </a:extLst>
+          </a:blip>
+          <a:srcRect l="48694" t="73955" r="43473" b="10807"/>
+          <a:stretch/>
+        </p:blipFill>
+        <p:spPr>
+          <a:xfrm>
+            <a:off x="5949538" y="5082632"/>
+            <a:ext cx="878750" cy="1045035"/>
+          </a:xfrm>
+          <a:prstGeom prst="rect">
+            <a:avLst/>
+          </a:prstGeom>
+        </p:spPr>
+      </p:pic>
+      <p:pic>
+        <p:nvPicPr>
+          <p:cNvPr id="34" name="Picture 33">
+            <a:extLst>
+              <a:ext uri="{FF2B5EF4-FFF2-40B4-BE49-F238E27FC236}">
+                <a16:creationId xmlns:a16="http://schemas.microsoft.com/office/drawing/2014/main" id="{697DB6F3-0726-F24C-B6B9-37F513F429F1}"/>
+              </a:ext>
+            </a:extLst>
+          </p:cNvPr>
+          <p:cNvPicPr>
+            <a:picLocks noChangeAspect="1"/>
+          </p:cNvPicPr>
+          <p:nvPr/>
+        </p:nvPicPr>
+        <p:blipFill rotWithShape="1">
+          <a:blip r:embed="rId2">
+            <a:extLst>
+              <a:ext uri="{28A0092B-C50C-407E-A947-70E740481C1C}">
+                <a14:useLocalDpi xmlns:a14="http://schemas.microsoft.com/office/drawing/2010/main" val="0"/>
+              </a:ext>
+            </a:extLst>
+          </a:blip>
+          <a:srcRect l="56528" t="73723" r="35744" b="11039"/>
+          <a:stretch/>
+        </p:blipFill>
+        <p:spPr>
+          <a:xfrm>
+            <a:off x="6828311" y="5082630"/>
+            <a:ext cx="866899" cy="1045037"/>
+          </a:xfrm>
+          <a:prstGeom prst="rect">
+            <a:avLst/>
+          </a:prstGeom>
+        </p:spPr>
+      </p:pic>
+      <p:pic>
+        <p:nvPicPr>
+          <p:cNvPr id="35" name="Picture 34">
+            <a:extLst>
+              <a:ext uri="{FF2B5EF4-FFF2-40B4-BE49-F238E27FC236}">
+                <a16:creationId xmlns:a16="http://schemas.microsoft.com/office/drawing/2014/main" id="{630082FC-B3DB-9A42-905D-812B53BE12C8}"/>
+              </a:ext>
+            </a:extLst>
+          </p:cNvPr>
+          <p:cNvPicPr>
+            <a:picLocks noChangeAspect="1"/>
+          </p:cNvPicPr>
+          <p:nvPr/>
+        </p:nvPicPr>
+        <p:blipFill rotWithShape="1">
+          <a:blip r:embed="rId2">
+            <a:extLst>
+              <a:ext uri="{28A0092B-C50C-407E-A947-70E740481C1C}">
+                <a14:useLocalDpi xmlns:a14="http://schemas.microsoft.com/office/drawing/2010/main" val="0"/>
+              </a:ext>
+            </a:extLst>
+          </a:blip>
+          <a:srcRect l="64150" t="73723" r="27910" b="11039"/>
+          <a:stretch/>
+        </p:blipFill>
+        <p:spPr>
+          <a:xfrm>
+            <a:off x="7683336" y="5082630"/>
+            <a:ext cx="890648" cy="1045037"/>
+          </a:xfrm>
+          <a:prstGeom prst="rect">
+            <a:avLst/>
+          </a:prstGeom>
+        </p:spPr>
+      </p:pic>
+      <p:pic>
+        <p:nvPicPr>
+          <p:cNvPr id="36" name="Picture 35">
+            <a:extLst>
+              <a:ext uri="{FF2B5EF4-FFF2-40B4-BE49-F238E27FC236}">
+                <a16:creationId xmlns:a16="http://schemas.microsoft.com/office/drawing/2014/main" id="{13F497D6-00EA-5347-A84C-F0C991F508CB}"/>
+              </a:ext>
+            </a:extLst>
+          </p:cNvPr>
+          <p:cNvPicPr>
+            <a:picLocks noChangeAspect="1"/>
+          </p:cNvPicPr>
+          <p:nvPr/>
+        </p:nvPicPr>
+        <p:blipFill rotWithShape="1">
+          <a:blip r:embed="rId2">
+            <a:extLst>
+              <a:ext uri="{28A0092B-C50C-407E-A947-70E740481C1C}">
+                <a14:useLocalDpi xmlns:a14="http://schemas.microsoft.com/office/drawing/2010/main" val="0"/>
+              </a:ext>
+            </a:extLst>
+          </a:blip>
+          <a:srcRect l="71665" t="73723" r="20184" b="11039"/>
+          <a:stretch/>
+        </p:blipFill>
+        <p:spPr>
+          <a:xfrm>
+            <a:off x="8526482" y="5082630"/>
+            <a:ext cx="914400" cy="1045037"/>
+          </a:xfrm>
+          <a:prstGeom prst="rect">
+            <a:avLst/>
+          </a:prstGeom>
+        </p:spPr>
+      </p:pic>
+      <p:pic>
+        <p:nvPicPr>
+          <p:cNvPr id="37" name="Picture 36">
+            <a:extLst>
+              <a:ext uri="{FF2B5EF4-FFF2-40B4-BE49-F238E27FC236}">
+                <a16:creationId xmlns:a16="http://schemas.microsoft.com/office/drawing/2014/main" id="{CBE826BE-8E1C-2D48-8F3F-318A8740FEEF}"/>
+              </a:ext>
+            </a:extLst>
+          </p:cNvPr>
+          <p:cNvPicPr>
+            <a:picLocks noChangeAspect="1"/>
+          </p:cNvPicPr>
+          <p:nvPr/>
+        </p:nvPicPr>
+        <p:blipFill rotWithShape="1">
+          <a:blip r:embed="rId2">
+            <a:extLst>
+              <a:ext uri="{28A0092B-C50C-407E-A947-70E740481C1C}">
+                <a14:useLocalDpi xmlns:a14="http://schemas.microsoft.com/office/drawing/2010/main" val="0"/>
+              </a:ext>
+            </a:extLst>
+          </a:blip>
+          <a:srcRect l="79817" t="74113" r="12350" b="10649"/>
+          <a:stretch/>
+        </p:blipFill>
+        <p:spPr>
+          <a:xfrm>
+            <a:off x="9440882" y="5082628"/>
+            <a:ext cx="878774" cy="1045039"/>
+          </a:xfrm>
+          <a:prstGeom prst="rect">
+            <a:avLst/>
+          </a:prstGeom>
+        </p:spPr>
+      </p:pic>
+      <p:pic>
+        <p:nvPicPr>
+          <p:cNvPr id="38" name="Picture 37">
+            <a:extLst>
+              <a:ext uri="{FF2B5EF4-FFF2-40B4-BE49-F238E27FC236}">
+                <a16:creationId xmlns:a16="http://schemas.microsoft.com/office/drawing/2014/main" id="{7943167B-DB5F-1048-816C-99F8AFA07820}"/>
+              </a:ext>
+            </a:extLst>
+          </p:cNvPr>
+          <p:cNvPicPr>
+            <a:picLocks noChangeAspect="1"/>
+          </p:cNvPicPr>
+          <p:nvPr/>
+        </p:nvPicPr>
+        <p:blipFill rotWithShape="1">
+          <a:blip r:embed="rId2">
+            <a:extLst>
+              <a:ext uri="{28A0092B-C50C-407E-A947-70E740481C1C}">
+                <a14:useLocalDpi xmlns:a14="http://schemas.microsoft.com/office/drawing/2010/main" val="0"/>
+              </a:ext>
+            </a:extLst>
+          </a:blip>
+          <a:srcRect l="87650" t="73723" r="4305" b="11039"/>
+          <a:stretch/>
+        </p:blipFill>
+        <p:spPr>
+          <a:xfrm>
+            <a:off x="10319655" y="5082628"/>
+            <a:ext cx="902527" cy="1045039"/>
+          </a:xfrm>
+          <a:prstGeom prst="rect">
+            <a:avLst/>
+          </a:prstGeom>
+        </p:spPr>
+      </p:pic>
+      <p:pic>
+        <p:nvPicPr>
+          <p:cNvPr id="39" name="Picture 38">
+            <a:extLst>
+              <a:ext uri="{FF2B5EF4-FFF2-40B4-BE49-F238E27FC236}">
+                <a16:creationId xmlns:a16="http://schemas.microsoft.com/office/drawing/2014/main" id="{509D0B96-AC9B-A542-9700-8DC3B0C147CD}"/>
+              </a:ext>
+            </a:extLst>
+          </p:cNvPr>
+          <p:cNvPicPr>
+            <a:picLocks noChangeAspect="1"/>
+          </p:cNvPicPr>
+          <p:nvPr/>
+        </p:nvPicPr>
+        <p:blipFill rotWithShape="1">
+          <a:blip r:embed="rId2">
+            <a:extLst>
+              <a:ext uri="{28A0092B-C50C-407E-A947-70E740481C1C}">
+                <a14:useLocalDpi xmlns:a14="http://schemas.microsoft.com/office/drawing/2010/main" val="0"/>
+              </a:ext>
+            </a:extLst>
+          </a:blip>
+          <a:srcRect l="25194" t="58024" r="67184" b="26045"/>
+          <a:stretch/>
+        </p:blipFill>
+        <p:spPr>
+          <a:xfrm>
+            <a:off x="3325091" y="3990106"/>
+            <a:ext cx="855021" cy="1092522"/>
+          </a:xfrm>
+          <a:prstGeom prst="rect">
+            <a:avLst/>
+          </a:prstGeom>
+        </p:spPr>
+      </p:pic>
+      <p:pic>
+        <p:nvPicPr>
+          <p:cNvPr id="40" name="Picture 39">
+            <a:extLst>
+              <a:ext uri="{FF2B5EF4-FFF2-40B4-BE49-F238E27FC236}">
+                <a16:creationId xmlns:a16="http://schemas.microsoft.com/office/drawing/2014/main" id="{167A23F2-A97F-964B-9954-A4ED7750963B}"/>
+              </a:ext>
+            </a:extLst>
+          </p:cNvPr>
+          <p:cNvPicPr>
+            <a:picLocks noChangeAspect="1"/>
+          </p:cNvPicPr>
+          <p:nvPr/>
+        </p:nvPicPr>
+        <p:blipFill rotWithShape="1">
+          <a:blip r:embed="rId2">
+            <a:extLst>
+              <a:ext uri="{28A0092B-C50C-407E-A947-70E740481C1C}">
+                <a14:useLocalDpi xmlns:a14="http://schemas.microsoft.com/office/drawing/2010/main" val="0"/>
+              </a:ext>
+            </a:extLst>
+          </a:blip>
+          <a:srcRect l="32922" t="57793" r="59986" b="26277"/>
+          <a:stretch/>
+        </p:blipFill>
+        <p:spPr>
+          <a:xfrm>
+            <a:off x="4180112" y="3990106"/>
+            <a:ext cx="795645" cy="1092522"/>
+          </a:xfrm>
+          <a:prstGeom prst="rect">
+            <a:avLst/>
+          </a:prstGeom>
+        </p:spPr>
+      </p:pic>
+      <p:pic>
+        <p:nvPicPr>
+          <p:cNvPr id="41" name="Picture 40">
+            <a:extLst>
+              <a:ext uri="{FF2B5EF4-FFF2-40B4-BE49-F238E27FC236}">
+                <a16:creationId xmlns:a16="http://schemas.microsoft.com/office/drawing/2014/main" id="{CD7CA2BC-8E5E-A244-80B5-F889F3F30AC1}"/>
+              </a:ext>
+            </a:extLst>
+          </p:cNvPr>
+          <p:cNvPicPr>
+            <a:picLocks noChangeAspect="1"/>
+          </p:cNvPicPr>
+          <p:nvPr/>
+        </p:nvPicPr>
+        <p:blipFill rotWithShape="1">
+          <a:blip r:embed="rId2">
+            <a:extLst>
+              <a:ext uri="{28A0092B-C50C-407E-A947-70E740481C1C}">
+                <a14:useLocalDpi xmlns:a14="http://schemas.microsoft.com/office/drawing/2010/main" val="0"/>
+              </a:ext>
+            </a:extLst>
+          </a:blip>
+          <a:srcRect l="40014" t="57793" r="51835" b="26277"/>
+          <a:stretch/>
+        </p:blipFill>
+        <p:spPr>
+          <a:xfrm>
+            <a:off x="4975757" y="3990106"/>
+            <a:ext cx="914397" cy="1092522"/>
+          </a:xfrm>
+          <a:prstGeom prst="rect">
+            <a:avLst/>
+          </a:prstGeom>
+        </p:spPr>
+      </p:pic>
+      <p:pic>
+        <p:nvPicPr>
+          <p:cNvPr id="42" name="Picture 41">
+            <a:extLst>
+              <a:ext uri="{FF2B5EF4-FFF2-40B4-BE49-F238E27FC236}">
+                <a16:creationId xmlns:a16="http://schemas.microsoft.com/office/drawing/2014/main" id="{14801749-7146-5946-969D-C65DA8DFA6F0}"/>
+              </a:ext>
+            </a:extLst>
+          </p:cNvPr>
+          <p:cNvPicPr>
+            <a:picLocks noChangeAspect="1"/>
+          </p:cNvPicPr>
+          <p:nvPr/>
+        </p:nvPicPr>
+        <p:blipFill rotWithShape="1">
+          <a:blip r:embed="rId2">
+            <a:extLst>
+              <a:ext uri="{28A0092B-C50C-407E-A947-70E740481C1C}">
+                <a14:useLocalDpi xmlns:a14="http://schemas.microsoft.com/office/drawing/2010/main" val="0"/>
+              </a:ext>
+            </a:extLst>
+          </a:blip>
+          <a:srcRect l="48165" t="57793" r="43472" b="26277"/>
+          <a:stretch/>
+        </p:blipFill>
+        <p:spPr>
+          <a:xfrm>
+            <a:off x="5890154" y="3990100"/>
+            <a:ext cx="938134" cy="1092527"/>
+          </a:xfrm>
+          <a:prstGeom prst="rect">
+            <a:avLst/>
+          </a:prstGeom>
+        </p:spPr>
+      </p:pic>
+      <p:pic>
+        <p:nvPicPr>
+          <p:cNvPr id="43" name="Picture 42">
+            <a:extLst>
+              <a:ext uri="{FF2B5EF4-FFF2-40B4-BE49-F238E27FC236}">
+                <a16:creationId xmlns:a16="http://schemas.microsoft.com/office/drawing/2014/main" id="{CC5387B7-3747-4149-B905-E8972CE9D0EF}"/>
+              </a:ext>
+            </a:extLst>
+          </p:cNvPr>
+          <p:cNvPicPr>
+            <a:picLocks noChangeAspect="1"/>
+          </p:cNvPicPr>
+          <p:nvPr/>
+        </p:nvPicPr>
+        <p:blipFill rotWithShape="1">
+          <a:blip r:embed="rId2">
+            <a:extLst>
+              <a:ext uri="{28A0092B-C50C-407E-A947-70E740481C1C}">
+                <a14:useLocalDpi xmlns:a14="http://schemas.microsoft.com/office/drawing/2010/main" val="0"/>
+              </a:ext>
+            </a:extLst>
+          </a:blip>
+          <a:srcRect l="56528" t="58024" r="36168" b="26045"/>
+          <a:stretch/>
+        </p:blipFill>
+        <p:spPr>
+          <a:xfrm>
+            <a:off x="6828305" y="3990100"/>
+            <a:ext cx="819395" cy="1092527"/>
+          </a:xfrm>
+          <a:prstGeom prst="rect">
+            <a:avLst/>
+          </a:prstGeom>
+        </p:spPr>
+      </p:pic>
+      <p:pic>
+        <p:nvPicPr>
+          <p:cNvPr id="44" name="Picture 43">
+            <a:extLst>
+              <a:ext uri="{FF2B5EF4-FFF2-40B4-BE49-F238E27FC236}">
+                <a16:creationId xmlns:a16="http://schemas.microsoft.com/office/drawing/2014/main" id="{D7C6EA10-0779-E745-9572-15F13CA4D22A}"/>
+              </a:ext>
+            </a:extLst>
+          </p:cNvPr>
+          <p:cNvPicPr>
+            <a:picLocks noChangeAspect="1"/>
+          </p:cNvPicPr>
+          <p:nvPr/>
+        </p:nvPicPr>
+        <p:blipFill rotWithShape="1">
+          <a:blip r:embed="rId2">
+            <a:extLst>
+              <a:ext uri="{28A0092B-C50C-407E-A947-70E740481C1C}">
+                <a14:useLocalDpi xmlns:a14="http://schemas.microsoft.com/office/drawing/2010/main" val="0"/>
+              </a:ext>
+            </a:extLst>
+          </a:blip>
+          <a:srcRect l="63832" t="58024" r="27488" b="26045"/>
+          <a:stretch/>
+        </p:blipFill>
+        <p:spPr>
+          <a:xfrm>
+            <a:off x="7647700" y="3990100"/>
+            <a:ext cx="973772" cy="1092527"/>
+          </a:xfrm>
+          <a:prstGeom prst="rect">
+            <a:avLst/>
+          </a:prstGeom>
+        </p:spPr>
+      </p:pic>
+      <p:pic>
+        <p:nvPicPr>
+          <p:cNvPr id="45" name="Picture 44">
+            <a:extLst>
+              <a:ext uri="{FF2B5EF4-FFF2-40B4-BE49-F238E27FC236}">
+                <a16:creationId xmlns:a16="http://schemas.microsoft.com/office/drawing/2014/main" id="{8ADF5DDE-8B85-8D42-8858-4EE8D12A58EF}"/>
+              </a:ext>
+            </a:extLst>
+          </p:cNvPr>
+          <p:cNvPicPr>
+            <a:picLocks noChangeAspect="1"/>
+          </p:cNvPicPr>
+          <p:nvPr/>
+        </p:nvPicPr>
+        <p:blipFill rotWithShape="1">
+          <a:blip r:embed="rId2">
+            <a:extLst>
+              <a:ext uri="{28A0092B-C50C-407E-A947-70E740481C1C}">
+                <a14:useLocalDpi xmlns:a14="http://schemas.microsoft.com/office/drawing/2010/main" val="0"/>
+              </a:ext>
+            </a:extLst>
+          </a:blip>
+          <a:srcRect l="72107" t="57793" r="20589" b="26277"/>
+          <a:stretch/>
+        </p:blipFill>
+        <p:spPr>
+          <a:xfrm>
+            <a:off x="8573975" y="3990100"/>
+            <a:ext cx="819396" cy="1092527"/>
+          </a:xfrm>
+          <a:prstGeom prst="rect">
+            <a:avLst/>
+          </a:prstGeom>
+        </p:spPr>
+      </p:pic>
+      <p:pic>
+        <p:nvPicPr>
+          <p:cNvPr id="46" name="Picture 45">
+            <a:extLst>
+              <a:ext uri="{FF2B5EF4-FFF2-40B4-BE49-F238E27FC236}">
+                <a16:creationId xmlns:a16="http://schemas.microsoft.com/office/drawing/2014/main" id="{B0882EAA-9EBB-624A-B2F3-5C29FCD0577F}"/>
+              </a:ext>
+            </a:extLst>
+          </p:cNvPr>
+          <p:cNvPicPr>
+            <a:picLocks noChangeAspect="1"/>
+          </p:cNvPicPr>
+          <p:nvPr/>
+        </p:nvPicPr>
+        <p:blipFill rotWithShape="1">
+          <a:blip r:embed="rId2">
+            <a:extLst>
+              <a:ext uri="{28A0092B-C50C-407E-A947-70E740481C1C}">
+                <a14:useLocalDpi xmlns:a14="http://schemas.microsoft.com/office/drawing/2010/main" val="0"/>
+              </a:ext>
+            </a:extLst>
+          </a:blip>
+          <a:srcRect l="79286" t="57793" r="12457" b="26277"/>
+          <a:stretch/>
+        </p:blipFill>
+        <p:spPr>
+          <a:xfrm>
+            <a:off x="9393371" y="3990097"/>
+            <a:ext cx="926254" cy="1092530"/>
+          </a:xfrm>
+          <a:prstGeom prst="rect">
+            <a:avLst/>
+          </a:prstGeom>
+        </p:spPr>
+      </p:pic>
+      <p:pic>
+        <p:nvPicPr>
+          <p:cNvPr id="47" name="Picture 46">
+            <a:extLst>
+              <a:ext uri="{FF2B5EF4-FFF2-40B4-BE49-F238E27FC236}">
+                <a16:creationId xmlns:a16="http://schemas.microsoft.com/office/drawing/2014/main" id="{15CB5ABA-17CC-7142-B66C-986676C7DB01}"/>
+              </a:ext>
+            </a:extLst>
+          </p:cNvPr>
+          <p:cNvPicPr>
+            <a:picLocks noChangeAspect="1"/>
+          </p:cNvPicPr>
+          <p:nvPr/>
+        </p:nvPicPr>
+        <p:blipFill rotWithShape="1">
+          <a:blip r:embed="rId2">
+            <a:extLst>
+              <a:ext uri="{28A0092B-C50C-407E-A947-70E740481C1C}">
+                <a14:useLocalDpi xmlns:a14="http://schemas.microsoft.com/office/drawing/2010/main" val="0"/>
+              </a:ext>
+            </a:extLst>
+          </a:blip>
+          <a:srcRect l="87438" t="58024" r="4516" b="26045"/>
+          <a:stretch/>
+        </p:blipFill>
+        <p:spPr>
+          <a:xfrm>
+            <a:off x="10319636" y="3990097"/>
+            <a:ext cx="902546" cy="1092530"/>
+          </a:xfrm>
+          <a:prstGeom prst="rect">
+            <a:avLst/>
+          </a:prstGeom>
+        </p:spPr>
+      </p:pic>
+    </p:spTree>
+    <p:extLst>
+      <p:ext uri="{BB962C8B-B14F-4D97-AF65-F5344CB8AC3E}">
+        <p14:creationId xmlns:p14="http://schemas.microsoft.com/office/powerpoint/2010/main" val="296254694"/>
+      </p:ext>
+    </p:extLst>
+  </p:cSld>
+  <p:clrMapOvr>
+    <a:masterClrMapping/>
+  </p:clrMapOvr>
+</p:sld>
+</file>
+
+<file path=ppt/slides/slide4.xml><?xml version="1.0" encoding="utf-8"?>
+<p:sld xmlns:a="http://schemas.openxmlformats.org/drawingml/2006/main" xmlns:r="http://schemas.openxmlformats.org/officeDocument/2006/relationships" xmlns:p="http://schemas.openxmlformats.org/presentationml/2006/main">
+  <p:cSld>
+    <p:spTree>
+      <p:nvGrpSpPr>
+        <p:cNvPr id="1" name=""/>
+        <p:cNvGrpSpPr/>
+        <p:nvPr/>
+      </p:nvGrpSpPr>
+      <p:grpSpPr>
+        <a:xfrm>
+          <a:off x="0" y="0"/>
+          <a:ext cx="0" cy="0"/>
+          <a:chOff x="0" y="0"/>
+          <a:chExt cx="0" cy="0"/>
+        </a:xfrm>
+      </p:grpSpPr>
+      <p:pic>
+        <p:nvPicPr>
           <p:cNvPr id="3" name="Picture 2">
             <a:extLst>
               <a:ext uri="{FF2B5EF4-FFF2-40B4-BE49-F238E27FC236}">
@@ -5962,7 +7603,7 @@
 </p:sld>
 </file>
 
-<file path=ppt/slides/slide4.xml><?xml version="1.0" encoding="utf-8"?>
+<file path=ppt/slides/slide5.xml><?xml version="1.0" encoding="utf-8"?>
 <p:sld xmlns:a="http://schemas.openxmlformats.org/drawingml/2006/main" xmlns:r="http://schemas.openxmlformats.org/officeDocument/2006/relationships" xmlns:p="http://schemas.openxmlformats.org/presentationml/2006/main">
   <p:cSld>
     <p:spTree>
